--- a/docs/Selenium_Project_Kumon_Website_Testing.pptx
+++ b/docs/Selenium_Project_Kumon_Website_Testing.pptx
@@ -120,7 +120,7 @@
   </p:defaultTextStyle>
   <p:extLst>
     <p:ext uri="{EFAFB233-063F-42B5-8137-9DF3F51BA10A}">
-      <p15:sldGuideLst xmlns:p15="http://schemas.microsoft.com/office/powerpoint/2012/main"/>
+      <p15:sldGuideLst xmlns:p15="http://schemas.microsoft.com/office/powerpoint/2012/main" xmlns=""/>
     </p:ext>
   </p:extLst>
 </p:presentation>
@@ -324,6 +324,7 @@
           <a:p>
             <a:fld id="{ECD19FB2-3AAB-4D03-B13A-2960828C78E3}" type="datetimeFigureOut">
               <a:rPr lang="en-US" dirty="0"/>
+              <a:pPr/>
               <a:t>4/10/2018</a:t>
             </a:fld>
             <a:endParaRPr lang="en-US" dirty="0"/>
@@ -396,7 +397,7 @@
     </p:spTree>
     <p:extLst>
       <p:ext uri="{BB962C8B-B14F-4D97-AF65-F5344CB8AC3E}">
-        <p14:creationId xmlns:p14="http://schemas.microsoft.com/office/powerpoint/2010/main" val="2090813347"/>
+        <p14:creationId xmlns:p14="http://schemas.microsoft.com/office/powerpoint/2010/main" xmlns="" val="2090813347"/>
       </p:ext>
     </p:extLst>
   </p:cSld>
@@ -521,6 +522,7 @@
           <a:p>
             <a:fld id="{0DED02AE-B9A4-47BD-AF8E-97E16144138B}" type="datetimeFigureOut">
               <a:rPr lang="en-US" dirty="0"/>
+              <a:pPr/>
               <a:t>4/10/2018</a:t>
             </a:fld>
             <a:endParaRPr lang="en-US" dirty="0"/>
@@ -563,6 +565,7 @@
           <a:p>
             <a:fld id="{6D22F896-40B5-4ADD-8801-0D06FADFA095}" type="slidenum">
               <a:rPr lang="en-US" dirty="0"/>
+              <a:pPr/>
               <a:t>‹#›</a:t>
             </a:fld>
             <a:endParaRPr lang="en-US" dirty="0"/>
@@ -572,7 +575,7 @@
     </p:spTree>
     <p:extLst>
       <p:ext uri="{BB962C8B-B14F-4D97-AF65-F5344CB8AC3E}">
-        <p14:creationId xmlns:p14="http://schemas.microsoft.com/office/powerpoint/2010/main" val="1059082485"/>
+        <p14:creationId xmlns:p14="http://schemas.microsoft.com/office/powerpoint/2010/main" xmlns="" val="1059082485"/>
       </p:ext>
     </p:extLst>
   </p:cSld>
@@ -707,6 +710,7 @@
           <a:p>
             <a:fld id="{CF0FD78B-DB02-4362-BCDC-98A55456977C}" type="datetimeFigureOut">
               <a:rPr lang="en-US" dirty="0"/>
+              <a:pPr/>
               <a:t>4/10/2018</a:t>
             </a:fld>
             <a:endParaRPr lang="en-US" dirty="0"/>
@@ -749,6 +753,7 @@
           <a:p>
             <a:fld id="{6D22F896-40B5-4ADD-8801-0D06FADFA095}" type="slidenum">
               <a:rPr lang="en-US" dirty="0"/>
+              <a:pPr/>
               <a:t>‹#›</a:t>
             </a:fld>
             <a:endParaRPr lang="en-US" dirty="0"/>
@@ -758,7 +763,7 @@
     </p:spTree>
     <p:extLst>
       <p:ext uri="{BB962C8B-B14F-4D97-AF65-F5344CB8AC3E}">
-        <p14:creationId xmlns:p14="http://schemas.microsoft.com/office/powerpoint/2010/main" val="3761813360"/>
+        <p14:creationId xmlns:p14="http://schemas.microsoft.com/office/powerpoint/2010/main" xmlns="" val="3761813360"/>
       </p:ext>
     </p:extLst>
   </p:cSld>
@@ -883,6 +888,7 @@
           <a:p>
             <a:fld id="{99916976-5D93-46E4-A98A-FAD63E4D0EA8}" type="datetimeFigureOut">
               <a:rPr lang="en-US" dirty="0"/>
+              <a:pPr/>
               <a:t>4/10/2018</a:t>
             </a:fld>
             <a:endParaRPr lang="en-US" dirty="0"/>
@@ -925,6 +931,7 @@
           <a:p>
             <a:fld id="{6D22F896-40B5-4ADD-8801-0D06FADFA095}" type="slidenum">
               <a:rPr lang="en-US" dirty="0"/>
+              <a:pPr/>
               <a:t>‹#›</a:t>
             </a:fld>
             <a:endParaRPr lang="en-US" dirty="0"/>
@@ -934,7 +941,7 @@
     </p:spTree>
     <p:extLst>
       <p:ext uri="{BB962C8B-B14F-4D97-AF65-F5344CB8AC3E}">
-        <p14:creationId xmlns:p14="http://schemas.microsoft.com/office/powerpoint/2010/main" val="591225746"/>
+        <p14:creationId xmlns:p14="http://schemas.microsoft.com/office/powerpoint/2010/main" xmlns="" val="591225746"/>
       </p:ext>
     </p:extLst>
   </p:cSld>
@@ -1146,6 +1153,7 @@
           <a:p>
             <a:fld id="{0F39F4F5-F4D2-4D2A-AB60-88D37ADCB869}" type="datetimeFigureOut">
               <a:rPr lang="en-US" dirty="0"/>
+              <a:pPr/>
               <a:t>4/10/2018</a:t>
             </a:fld>
             <a:endParaRPr lang="en-US" dirty="0"/>
@@ -1188,6 +1196,7 @@
           <a:p>
             <a:fld id="{6D22F896-40B5-4ADD-8801-0D06FADFA095}" type="slidenum">
               <a:rPr lang="en-US" dirty="0"/>
+              <a:pPr/>
               <a:t>‹#›</a:t>
             </a:fld>
             <a:endParaRPr lang="en-US" dirty="0"/>
@@ -1197,7 +1206,7 @@
     </p:spTree>
     <p:extLst>
       <p:ext uri="{BB962C8B-B14F-4D97-AF65-F5344CB8AC3E}">
-        <p14:creationId xmlns:p14="http://schemas.microsoft.com/office/powerpoint/2010/main" val="1649135760"/>
+        <p14:creationId xmlns:p14="http://schemas.microsoft.com/office/powerpoint/2010/main" xmlns="" val="1649135760"/>
       </p:ext>
     </p:extLst>
   </p:cSld>
@@ -1439,6 +1448,7 @@
           <a:p>
             <a:fld id="{D23BC6CE-6D1E-47E5-8859-F31AC5380EB2}" type="datetimeFigureOut">
               <a:rPr lang="en-US" dirty="0"/>
+              <a:pPr/>
               <a:t>4/10/2018</a:t>
             </a:fld>
             <a:endParaRPr lang="en-US" dirty="0"/>
@@ -1481,6 +1491,7 @@
           <a:p>
             <a:fld id="{6D22F896-40B5-4ADD-8801-0D06FADFA095}" type="slidenum">
               <a:rPr lang="en-US" dirty="0"/>
+              <a:pPr/>
               <a:t>‹#›</a:t>
             </a:fld>
             <a:endParaRPr lang="en-US" dirty="0"/>
@@ -1490,7 +1501,7 @@
     </p:spTree>
     <p:extLst>
       <p:ext uri="{BB962C8B-B14F-4D97-AF65-F5344CB8AC3E}">
-        <p14:creationId xmlns:p14="http://schemas.microsoft.com/office/powerpoint/2010/main" val="810772453"/>
+        <p14:creationId xmlns:p14="http://schemas.microsoft.com/office/powerpoint/2010/main" xmlns="" val="810772453"/>
       </p:ext>
     </p:extLst>
   </p:cSld>
@@ -1882,6 +1893,7 @@
           <a:p>
             <a:fld id="{B1B4E7C4-4DA4-404D-9965-B13F2DD7D8BF}" type="datetimeFigureOut">
               <a:rPr lang="en-US" dirty="0"/>
+              <a:pPr/>
               <a:t>4/10/2018</a:t>
             </a:fld>
             <a:endParaRPr lang="en-US" dirty="0"/>
@@ -1924,6 +1936,7 @@
           <a:p>
             <a:fld id="{6D22F896-40B5-4ADD-8801-0D06FADFA095}" type="slidenum">
               <a:rPr lang="en-US" dirty="0"/>
+              <a:pPr/>
               <a:t>‹#›</a:t>
             </a:fld>
             <a:endParaRPr lang="en-US" dirty="0"/>
@@ -1933,7 +1946,7 @@
     </p:spTree>
     <p:extLst>
       <p:ext uri="{BB962C8B-B14F-4D97-AF65-F5344CB8AC3E}">
-        <p14:creationId xmlns:p14="http://schemas.microsoft.com/office/powerpoint/2010/main" val="3016092819"/>
+        <p14:creationId xmlns:p14="http://schemas.microsoft.com/office/powerpoint/2010/main" xmlns="" val="3016092819"/>
       </p:ext>
     </p:extLst>
   </p:cSld>
@@ -2007,6 +2020,7 @@
           <a:p>
             <a:fld id="{476FB7AA-4A53-424F-AD41-70827B6504BA}" type="datetimeFigureOut">
               <a:rPr lang="en-US" dirty="0"/>
+              <a:pPr/>
               <a:t>4/10/2018</a:t>
             </a:fld>
             <a:endParaRPr lang="en-US" dirty="0"/>
@@ -2049,6 +2063,7 @@
           <a:p>
             <a:fld id="{6D22F896-40B5-4ADD-8801-0D06FADFA095}" type="slidenum">
               <a:rPr lang="en-US" dirty="0"/>
+              <a:pPr/>
               <a:t>‹#›</a:t>
             </a:fld>
             <a:endParaRPr lang="en-US" dirty="0"/>
@@ -2058,7 +2073,7 @@
     </p:spTree>
     <p:extLst>
       <p:ext uri="{BB962C8B-B14F-4D97-AF65-F5344CB8AC3E}">
-        <p14:creationId xmlns:p14="http://schemas.microsoft.com/office/powerpoint/2010/main" val="1555504211"/>
+        <p14:creationId xmlns:p14="http://schemas.microsoft.com/office/powerpoint/2010/main" xmlns="" val="1555504211"/>
       </p:ext>
     </p:extLst>
   </p:cSld>
@@ -2110,6 +2125,7 @@
           <a:p>
             <a:fld id="{E7884882-FB12-4BC8-9960-9AD8104D7FAE}" type="datetimeFigureOut">
               <a:rPr lang="en-US" dirty="0"/>
+              <a:pPr/>
               <a:t>4/10/2018</a:t>
             </a:fld>
             <a:endParaRPr lang="en-US" dirty="0"/>
@@ -2152,6 +2168,7 @@
           <a:p>
             <a:fld id="{6D22F896-40B5-4ADD-8801-0D06FADFA095}" type="slidenum">
               <a:rPr lang="en-US" dirty="0"/>
+              <a:pPr/>
               <a:t>‹#›</a:t>
             </a:fld>
             <a:endParaRPr lang="en-US" dirty="0"/>
@@ -2161,7 +2178,7 @@
     </p:spTree>
     <p:extLst>
       <p:ext uri="{BB962C8B-B14F-4D97-AF65-F5344CB8AC3E}">
-        <p14:creationId xmlns:p14="http://schemas.microsoft.com/office/powerpoint/2010/main" val="3365391121"/>
+        <p14:creationId xmlns:p14="http://schemas.microsoft.com/office/powerpoint/2010/main" xmlns="" val="3365391121"/>
       </p:ext>
     </p:extLst>
   </p:cSld>
@@ -2472,6 +2489,7 @@
           <a:p>
             <a:fld id="{F7D1BD23-6E54-4D9D-AD88-A2813C73CC25}" type="datetimeFigureOut">
               <a:rPr lang="en-US" dirty="0"/>
+              <a:pPr/>
               <a:t>4/10/2018</a:t>
             </a:fld>
             <a:endParaRPr lang="en-US" dirty="0"/>
@@ -2524,6 +2542,7 @@
           <a:p>
             <a:fld id="{6D22F896-40B5-4ADD-8801-0D06FADFA095}" type="slidenum">
               <a:rPr lang="en-US" dirty="0"/>
+              <a:pPr/>
               <a:t>‹#›</a:t>
             </a:fld>
             <a:endParaRPr lang="en-US" dirty="0"/>
@@ -2533,7 +2552,7 @@
     </p:spTree>
     <p:extLst>
       <p:ext uri="{BB962C8B-B14F-4D97-AF65-F5344CB8AC3E}">
-        <p14:creationId xmlns:p14="http://schemas.microsoft.com/office/powerpoint/2010/main" val="2772228466"/>
+        <p14:creationId xmlns:p14="http://schemas.microsoft.com/office/powerpoint/2010/main" xmlns="" val="2772228466"/>
       </p:ext>
     </p:extLst>
   </p:cSld>
@@ -2786,6 +2805,7 @@
           <a:p>
             <a:fld id="{1471A834-4F3C-4AF9-9C74-05EC35A0F292}" type="datetimeFigureOut">
               <a:rPr lang="en-US" dirty="0"/>
+              <a:pPr/>
               <a:t>4/10/2018</a:t>
             </a:fld>
             <a:endParaRPr lang="en-US" dirty="0"/>
@@ -2848,6 +2868,7 @@
           <a:p>
             <a:fld id="{6D22F896-40B5-4ADD-8801-0D06FADFA095}" type="slidenum">
               <a:rPr lang="en-US" dirty="0"/>
+              <a:pPr/>
               <a:t>‹#›</a:t>
             </a:fld>
             <a:endParaRPr lang="en-US" dirty="0"/>
@@ -2857,7 +2878,7 @@
     </p:spTree>
     <p:extLst>
       <p:ext uri="{BB962C8B-B14F-4D97-AF65-F5344CB8AC3E}">
-        <p14:creationId xmlns:p14="http://schemas.microsoft.com/office/powerpoint/2010/main" val="4253179078"/>
+        <p14:creationId xmlns:p14="http://schemas.microsoft.com/office/powerpoint/2010/main" xmlns="" val="4253179078"/>
       </p:ext>
     </p:extLst>
   </p:cSld>
@@ -3020,6 +3041,7 @@
           <a:p>
             <a:fld id="{51CF1133-3259-4C45-BABA-5B62D9C6F78D}" type="datetimeFigureOut">
               <a:rPr lang="en-US" dirty="0"/>
+              <a:pPr/>
               <a:t>4/10/2018</a:t>
             </a:fld>
             <a:endParaRPr lang="en-US" dirty="0"/>
@@ -3112,7 +3134,7 @@
     </p:spTree>
     <p:extLst>
       <p:ext uri="{BB962C8B-B14F-4D97-AF65-F5344CB8AC3E}">
-        <p14:creationId xmlns:p14="http://schemas.microsoft.com/office/powerpoint/2010/main" val="2255042657"/>
+        <p14:creationId xmlns:p14="http://schemas.microsoft.com/office/powerpoint/2010/main" xmlns="" val="2255042657"/>
       </p:ext>
     </p:extLst>
   </p:cSld>
@@ -3463,7 +3485,7 @@
           <p:cNvPr id="3" name="Subtitle 2">
             <a:extLst>
               <a:ext uri="{FF2B5EF4-FFF2-40B4-BE49-F238E27FC236}">
-                <a16:creationId xmlns:a16="http://schemas.microsoft.com/office/drawing/2014/main" id="{4F36EDD4-949F-48E5-9570-FA4557DCE7AC}"/>
+                <a16:creationId xmlns:a16="http://schemas.microsoft.com/office/drawing/2014/main" xmlns="" id="{4F36EDD4-949F-48E5-9570-FA4557DCE7AC}"/>
               </a:ext>
             </a:extLst>
           </p:cNvPr>
@@ -3552,7 +3574,7 @@
           <p:cNvPr id="22" name="Picture 22" descr="A close up of a sign&#10;&#10;Description generated with high confidence">
             <a:extLst>
               <a:ext uri="{FF2B5EF4-FFF2-40B4-BE49-F238E27FC236}">
-                <a16:creationId xmlns:a16="http://schemas.microsoft.com/office/drawing/2014/main" id="{47B501FA-B5C0-433D-A98E-D22DD315B8A1}"/>
+                <a16:creationId xmlns:a16="http://schemas.microsoft.com/office/drawing/2014/main" xmlns="" id="{47B501FA-B5C0-433D-A98E-D22DD315B8A1}"/>
               </a:ext>
             </a:extLst>
           </p:cNvPr>
@@ -3580,7 +3602,7 @@
     </p:spTree>
     <p:extLst>
       <p:ext uri="{BB962C8B-B14F-4D97-AF65-F5344CB8AC3E}">
-        <p14:creationId xmlns:p14="http://schemas.microsoft.com/office/powerpoint/2010/main" val="464923374"/>
+        <p14:creationId xmlns:p14="http://schemas.microsoft.com/office/powerpoint/2010/main" xmlns="" val="464923374"/>
       </p:ext>
     </p:extLst>
   </p:cSld>
@@ -3612,7 +3634,7 @@
           <p:cNvPr id="8" name="Picture 8">
             <a:extLst>
               <a:ext uri="{FF2B5EF4-FFF2-40B4-BE49-F238E27FC236}">
-                <a16:creationId xmlns:a16="http://schemas.microsoft.com/office/drawing/2014/main" id="{8089558E-224E-4543-9094-E6B13EC45532}"/>
+                <a16:creationId xmlns:a16="http://schemas.microsoft.com/office/drawing/2014/main" xmlns="" id="{8089558E-224E-4543-9094-E6B13EC45532}"/>
               </a:ext>
             </a:extLst>
           </p:cNvPr>
@@ -3642,7 +3664,7 @@
           <p:cNvPr id="10" name="TextBox 9">
             <a:extLst>
               <a:ext uri="{FF2B5EF4-FFF2-40B4-BE49-F238E27FC236}">
-                <a16:creationId xmlns:a16="http://schemas.microsoft.com/office/drawing/2014/main" id="{984F1A32-00BC-4DD4-AE22-E431CC5F2F4E}"/>
+                <a16:creationId xmlns:a16="http://schemas.microsoft.com/office/drawing/2014/main" xmlns="" id="{984F1A32-00BC-4DD4-AE22-E431CC5F2F4E}"/>
               </a:ext>
             </a:extLst>
           </p:cNvPr>
@@ -3746,7 +3768,7 @@
           <p:cNvPr id="11" name="TextBox 10">
             <a:extLst>
               <a:ext uri="{FF2B5EF4-FFF2-40B4-BE49-F238E27FC236}">
-                <a16:creationId xmlns:a16="http://schemas.microsoft.com/office/drawing/2014/main" id="{23C11F93-A824-40FC-92ED-7CF9C19D0A46}"/>
+                <a16:creationId xmlns:a16="http://schemas.microsoft.com/office/drawing/2014/main" xmlns="" id="{23C11F93-A824-40FC-92ED-7CF9C19D0A46}"/>
               </a:ext>
             </a:extLst>
           </p:cNvPr>
@@ -3857,7 +3879,7 @@
           <p:cNvPr id="12" name="TextBox 11">
             <a:extLst>
               <a:ext uri="{FF2B5EF4-FFF2-40B4-BE49-F238E27FC236}">
-                <a16:creationId xmlns:a16="http://schemas.microsoft.com/office/drawing/2014/main" id="{65D3D31D-EFAC-4A17-A663-DDCC61F88DD4}"/>
+                <a16:creationId xmlns:a16="http://schemas.microsoft.com/office/drawing/2014/main" xmlns="" id="{65D3D31D-EFAC-4A17-A663-DDCC61F88DD4}"/>
               </a:ext>
             </a:extLst>
           </p:cNvPr>
@@ -3896,7 +3918,7 @@
     </p:spTree>
     <p:extLst>
       <p:ext uri="{BB962C8B-B14F-4D97-AF65-F5344CB8AC3E}">
-        <p14:creationId xmlns:p14="http://schemas.microsoft.com/office/powerpoint/2010/main" val="1390737018"/>
+        <p14:creationId xmlns:p14="http://schemas.microsoft.com/office/powerpoint/2010/main" xmlns="" val="1390737018"/>
       </p:ext>
     </p:extLst>
   </p:cSld>
@@ -3928,7 +3950,7 @@
           <p:cNvPr id="19" name="Straight Arrow Connector 18">
             <a:extLst>
               <a:ext uri="{FF2B5EF4-FFF2-40B4-BE49-F238E27FC236}">
-                <a16:creationId xmlns:a16="http://schemas.microsoft.com/office/drawing/2014/main" id="{86E91E64-A4AF-479B-8144-A22F0BCC8C54}"/>
+                <a16:creationId xmlns:a16="http://schemas.microsoft.com/office/drawing/2014/main" xmlns="" id="{86E91E64-A4AF-479B-8144-A22F0BCC8C54}"/>
               </a:ext>
             </a:extLst>
           </p:cNvPr>
@@ -3969,7 +3991,7 @@
           <p:cNvPr id="44" name="Connector: Elbow 43">
             <a:extLst>
               <a:ext uri="{FF2B5EF4-FFF2-40B4-BE49-F238E27FC236}">
-                <a16:creationId xmlns:a16="http://schemas.microsoft.com/office/drawing/2014/main" id="{D2CF6EFB-A89F-4786-B455-9D90126395D7}"/>
+                <a16:creationId xmlns:a16="http://schemas.microsoft.com/office/drawing/2014/main" xmlns="" id="{D2CF6EFB-A89F-4786-B455-9D90126395D7}"/>
               </a:ext>
             </a:extLst>
           </p:cNvPr>
@@ -4009,7 +4031,7 @@
           <p:cNvPr id="20" name="Rectangle 19">
             <a:extLst>
               <a:ext uri="{FF2B5EF4-FFF2-40B4-BE49-F238E27FC236}">
-                <a16:creationId xmlns:a16="http://schemas.microsoft.com/office/drawing/2014/main" id="{220AD173-3AF4-4D92-A9C4-9E7B35329A19}"/>
+                <a16:creationId xmlns:a16="http://schemas.microsoft.com/office/drawing/2014/main" xmlns="" id="{220AD173-3AF4-4D92-A9C4-9E7B35329A19}"/>
               </a:ext>
             </a:extLst>
           </p:cNvPr>
@@ -4064,7 +4086,7 @@
           <p:cNvPr id="29" name="Connector: Elbow 28">
             <a:extLst>
               <a:ext uri="{FF2B5EF4-FFF2-40B4-BE49-F238E27FC236}">
-                <a16:creationId xmlns:a16="http://schemas.microsoft.com/office/drawing/2014/main" id="{31290897-6B03-4F38-93CC-0979D8C0DC8D}"/>
+                <a16:creationId xmlns:a16="http://schemas.microsoft.com/office/drawing/2014/main" xmlns="" id="{31290897-6B03-4F38-93CC-0979D8C0DC8D}"/>
               </a:ext>
             </a:extLst>
           </p:cNvPr>
@@ -4108,7 +4130,7 @@
           <p:cNvPr id="2" name="Oval 1">
             <a:extLst>
               <a:ext uri="{FF2B5EF4-FFF2-40B4-BE49-F238E27FC236}">
-                <a16:creationId xmlns:a16="http://schemas.microsoft.com/office/drawing/2014/main" id="{437249CA-52DD-4E47-84F2-5E93B28CACB3}"/>
+                <a16:creationId xmlns:a16="http://schemas.microsoft.com/office/drawing/2014/main" xmlns="" id="{437249CA-52DD-4E47-84F2-5E93B28CACB3}"/>
               </a:ext>
             </a:extLst>
           </p:cNvPr>
@@ -4172,7 +4194,7 @@
           <p:cNvPr id="3" name="Rectangle: Rounded Corners 2">
             <a:extLst>
               <a:ext uri="{FF2B5EF4-FFF2-40B4-BE49-F238E27FC236}">
-                <a16:creationId xmlns:a16="http://schemas.microsoft.com/office/drawing/2014/main" id="{E1C2BA3F-DD1B-447B-AF5B-07FA1555A563}"/>
+                <a16:creationId xmlns:a16="http://schemas.microsoft.com/office/drawing/2014/main" xmlns="" id="{E1C2BA3F-DD1B-447B-AF5B-07FA1555A563}"/>
               </a:ext>
             </a:extLst>
           </p:cNvPr>
@@ -4243,7 +4265,7 @@
           <p:cNvPr id="6" name="Flowchart: Multidocument 5">
             <a:extLst>
               <a:ext uri="{FF2B5EF4-FFF2-40B4-BE49-F238E27FC236}">
-                <a16:creationId xmlns:a16="http://schemas.microsoft.com/office/drawing/2014/main" id="{BEAC7CEC-2A38-4686-969B-DBB54AB1D812}"/>
+                <a16:creationId xmlns:a16="http://schemas.microsoft.com/office/drawing/2014/main" xmlns="" id="{BEAC7CEC-2A38-4686-969B-DBB54AB1D812}"/>
               </a:ext>
             </a:extLst>
           </p:cNvPr>
@@ -4307,7 +4329,7 @@
           <p:cNvPr id="10" name="Rectangle: Rounded Corners 9">
             <a:extLst>
               <a:ext uri="{FF2B5EF4-FFF2-40B4-BE49-F238E27FC236}">
-                <a16:creationId xmlns:a16="http://schemas.microsoft.com/office/drawing/2014/main" id="{134144CF-CC59-45D5-909D-BD4EDD89F4A1}"/>
+                <a16:creationId xmlns:a16="http://schemas.microsoft.com/office/drawing/2014/main" xmlns="" id="{134144CF-CC59-45D5-909D-BD4EDD89F4A1}"/>
               </a:ext>
             </a:extLst>
           </p:cNvPr>
@@ -4371,7 +4393,7 @@
           <p:cNvPr id="11" name="Cylinder 10">
             <a:extLst>
               <a:ext uri="{FF2B5EF4-FFF2-40B4-BE49-F238E27FC236}">
-                <a16:creationId xmlns:a16="http://schemas.microsoft.com/office/drawing/2014/main" id="{EC816267-B5E9-4281-AFD3-DC915362A279}"/>
+                <a16:creationId xmlns:a16="http://schemas.microsoft.com/office/drawing/2014/main" xmlns="" id="{EC816267-B5E9-4281-AFD3-DC915362A279}"/>
               </a:ext>
             </a:extLst>
           </p:cNvPr>
@@ -4435,7 +4457,7 @@
           <p:cNvPr id="12" name="Cylinder 11">
             <a:extLst>
               <a:ext uri="{FF2B5EF4-FFF2-40B4-BE49-F238E27FC236}">
-                <a16:creationId xmlns:a16="http://schemas.microsoft.com/office/drawing/2014/main" id="{5A98038E-D33A-4013-8811-1F54BEBE5C1D}"/>
+                <a16:creationId xmlns:a16="http://schemas.microsoft.com/office/drawing/2014/main" xmlns="" id="{5A98038E-D33A-4013-8811-1F54BEBE5C1D}"/>
               </a:ext>
             </a:extLst>
           </p:cNvPr>
@@ -4499,7 +4521,7 @@
           <p:cNvPr id="13" name="Flowchart: Document 12">
             <a:extLst>
               <a:ext uri="{FF2B5EF4-FFF2-40B4-BE49-F238E27FC236}">
-                <a16:creationId xmlns:a16="http://schemas.microsoft.com/office/drawing/2014/main" id="{3661BA2F-ADCD-4E29-A1C3-48E505A1FEAA}"/>
+                <a16:creationId xmlns:a16="http://schemas.microsoft.com/office/drawing/2014/main" xmlns="" id="{3661BA2F-ADCD-4E29-A1C3-48E505A1FEAA}"/>
               </a:ext>
             </a:extLst>
           </p:cNvPr>
@@ -4573,7 +4595,7 @@
           <p:cNvPr id="17" name="Straight Arrow Connector 16">
             <a:extLst>
               <a:ext uri="{FF2B5EF4-FFF2-40B4-BE49-F238E27FC236}">
-                <a16:creationId xmlns:a16="http://schemas.microsoft.com/office/drawing/2014/main" id="{B38F7B97-BE0B-4598-81AB-42562B953B1D}"/>
+                <a16:creationId xmlns:a16="http://schemas.microsoft.com/office/drawing/2014/main" xmlns="" id="{B38F7B97-BE0B-4598-81AB-42562B953B1D}"/>
               </a:ext>
             </a:extLst>
           </p:cNvPr>
@@ -4614,7 +4636,7 @@
           <p:cNvPr id="18" name="Straight Arrow Connector 17">
             <a:extLst>
               <a:ext uri="{FF2B5EF4-FFF2-40B4-BE49-F238E27FC236}">
-                <a16:creationId xmlns:a16="http://schemas.microsoft.com/office/drawing/2014/main" id="{7B1A9561-6E91-4E3F-8C93-CC87F7E8189E}"/>
+                <a16:creationId xmlns:a16="http://schemas.microsoft.com/office/drawing/2014/main" xmlns="" id="{7B1A9561-6E91-4E3F-8C93-CC87F7E8189E}"/>
               </a:ext>
             </a:extLst>
           </p:cNvPr>
@@ -4655,7 +4677,7 @@
           <p:cNvPr id="24" name="Straight Arrow Connector 23">
             <a:extLst>
               <a:ext uri="{FF2B5EF4-FFF2-40B4-BE49-F238E27FC236}">
-                <a16:creationId xmlns:a16="http://schemas.microsoft.com/office/drawing/2014/main" id="{691890A1-C9A4-4457-8A9A-2C7974B92DBD}"/>
+                <a16:creationId xmlns:a16="http://schemas.microsoft.com/office/drawing/2014/main" xmlns="" id="{691890A1-C9A4-4457-8A9A-2C7974B92DBD}"/>
               </a:ext>
             </a:extLst>
           </p:cNvPr>
@@ -4696,7 +4718,7 @@
           <p:cNvPr id="25" name="Straight Arrow Connector 24">
             <a:extLst>
               <a:ext uri="{FF2B5EF4-FFF2-40B4-BE49-F238E27FC236}">
-                <a16:creationId xmlns:a16="http://schemas.microsoft.com/office/drawing/2014/main" id="{28C8E2BA-7188-4248-A4F8-E7B1E1AF2CE7}"/>
+                <a16:creationId xmlns:a16="http://schemas.microsoft.com/office/drawing/2014/main" xmlns="" id="{28C8E2BA-7188-4248-A4F8-E7B1E1AF2CE7}"/>
               </a:ext>
             </a:extLst>
           </p:cNvPr>
@@ -4737,7 +4759,7 @@
           <p:cNvPr id="27" name="Straight Arrow Connector 26">
             <a:extLst>
               <a:ext uri="{FF2B5EF4-FFF2-40B4-BE49-F238E27FC236}">
-                <a16:creationId xmlns:a16="http://schemas.microsoft.com/office/drawing/2014/main" id="{D650AE7C-15BE-41D0-8918-E1E3A1C5598A}"/>
+                <a16:creationId xmlns:a16="http://schemas.microsoft.com/office/drawing/2014/main" xmlns="" id="{D650AE7C-15BE-41D0-8918-E1E3A1C5598A}"/>
               </a:ext>
             </a:extLst>
           </p:cNvPr>
@@ -4778,7 +4800,7 @@
           <p:cNvPr id="28" name="Straight Arrow Connector 27">
             <a:extLst>
               <a:ext uri="{FF2B5EF4-FFF2-40B4-BE49-F238E27FC236}">
-                <a16:creationId xmlns:a16="http://schemas.microsoft.com/office/drawing/2014/main" id="{B5BB879E-FE15-4FD1-AFA3-C25169FED1C9}"/>
+                <a16:creationId xmlns:a16="http://schemas.microsoft.com/office/drawing/2014/main" xmlns="" id="{B5BB879E-FE15-4FD1-AFA3-C25169FED1C9}"/>
               </a:ext>
             </a:extLst>
           </p:cNvPr>
@@ -4819,7 +4841,7 @@
           <p:cNvPr id="14" name="Connector: Elbow 13">
             <a:extLst>
               <a:ext uri="{FF2B5EF4-FFF2-40B4-BE49-F238E27FC236}">
-                <a16:creationId xmlns:a16="http://schemas.microsoft.com/office/drawing/2014/main" id="{C04BBFD5-5D74-4E74-BB25-F794E89CB6A5}"/>
+                <a16:creationId xmlns:a16="http://schemas.microsoft.com/office/drawing/2014/main" xmlns="" id="{C04BBFD5-5D74-4E74-BB25-F794E89CB6A5}"/>
               </a:ext>
             </a:extLst>
           </p:cNvPr>
@@ -4859,7 +4881,7 @@
           <p:cNvPr id="16" name="Cylinder 15">
             <a:extLst>
               <a:ext uri="{FF2B5EF4-FFF2-40B4-BE49-F238E27FC236}">
-                <a16:creationId xmlns:a16="http://schemas.microsoft.com/office/drawing/2014/main" id="{2DC6C316-3DDC-446A-8C39-C456978DAE16}"/>
+                <a16:creationId xmlns:a16="http://schemas.microsoft.com/office/drawing/2014/main" xmlns="" id="{2DC6C316-3DDC-446A-8C39-C456978DAE16}"/>
               </a:ext>
             </a:extLst>
           </p:cNvPr>
@@ -4940,7 +4962,7 @@
           <p:cNvPr id="23" name="Rectangle: Rounded Corners 22">
             <a:extLst>
               <a:ext uri="{FF2B5EF4-FFF2-40B4-BE49-F238E27FC236}">
-                <a16:creationId xmlns:a16="http://schemas.microsoft.com/office/drawing/2014/main" id="{A3A700EC-6C2A-489C-9860-074EEC5A0FF1}"/>
+                <a16:creationId xmlns:a16="http://schemas.microsoft.com/office/drawing/2014/main" xmlns="" id="{A3A700EC-6C2A-489C-9860-074EEC5A0FF1}"/>
               </a:ext>
             </a:extLst>
           </p:cNvPr>
@@ -5002,7 +5024,7 @@
           <p:cNvPr id="31" name="Rectangle: Rounded Corners 30">
             <a:extLst>
               <a:ext uri="{FF2B5EF4-FFF2-40B4-BE49-F238E27FC236}">
-                <a16:creationId xmlns:a16="http://schemas.microsoft.com/office/drawing/2014/main" id="{F2C9E05B-8AA1-403E-B302-CDCB15FD7F85}"/>
+                <a16:creationId xmlns:a16="http://schemas.microsoft.com/office/drawing/2014/main" xmlns="" id="{F2C9E05B-8AA1-403E-B302-CDCB15FD7F85}"/>
               </a:ext>
             </a:extLst>
           </p:cNvPr>
@@ -5051,7 +5073,7 @@
               </a:rPr>
               <a:t>Run Test via TestNG</a:t>
             </a:r>
-            <a:endParaRPr lang="en-US"/>
+            <a:endParaRPr lang="en-US" dirty="0"/>
           </a:p>
         </p:txBody>
       </p:sp>
@@ -5060,7 +5082,7 @@
           <p:cNvPr id="35" name="Rectangle: Rounded Corners 34">
             <a:extLst>
               <a:ext uri="{FF2B5EF4-FFF2-40B4-BE49-F238E27FC236}">
-                <a16:creationId xmlns:a16="http://schemas.microsoft.com/office/drawing/2014/main" id="{C766BAD2-112C-45C4-98DE-59692B6EF23C}"/>
+                <a16:creationId xmlns:a16="http://schemas.microsoft.com/office/drawing/2014/main" xmlns="" id="{C766BAD2-112C-45C4-98DE-59692B6EF23C}"/>
               </a:ext>
             </a:extLst>
           </p:cNvPr>
@@ -5216,7 +5238,7 @@
           <p:cNvPr id="36" name="Rectangle: Rounded Corners 35">
             <a:extLst>
               <a:ext uri="{FF2B5EF4-FFF2-40B4-BE49-F238E27FC236}">
-                <a16:creationId xmlns:a16="http://schemas.microsoft.com/office/drawing/2014/main" id="{C766BAD2-112C-45C4-98DE-59692B6EF23C}"/>
+                <a16:creationId xmlns:a16="http://schemas.microsoft.com/office/drawing/2014/main" xmlns="" id="{C766BAD2-112C-45C4-98DE-59692B6EF23C}"/>
               </a:ext>
             </a:extLst>
           </p:cNvPr>
@@ -5372,7 +5394,7 @@
           <p:cNvPr id="37" name="Rectangle 36">
             <a:extLst>
               <a:ext uri="{FF2B5EF4-FFF2-40B4-BE49-F238E27FC236}">
-                <a16:creationId xmlns:a16="http://schemas.microsoft.com/office/drawing/2014/main" id="{0E823182-6D73-4C1D-9A7E-84A2587CAB5B}"/>
+                <a16:creationId xmlns:a16="http://schemas.microsoft.com/office/drawing/2014/main" xmlns="" id="{0E823182-6D73-4C1D-9A7E-84A2587CAB5B}"/>
               </a:ext>
             </a:extLst>
           </p:cNvPr>
@@ -5436,7 +5458,7 @@
           <p:cNvPr id="38" name="Connector: Elbow 37">
             <a:extLst>
               <a:ext uri="{FF2B5EF4-FFF2-40B4-BE49-F238E27FC236}">
-                <a16:creationId xmlns:a16="http://schemas.microsoft.com/office/drawing/2014/main" id="{EF1BD50A-8761-4486-A1A5-8CDDCABBE897}"/>
+                <a16:creationId xmlns:a16="http://schemas.microsoft.com/office/drawing/2014/main" xmlns="" id="{EF1BD50A-8761-4486-A1A5-8CDDCABBE897}"/>
               </a:ext>
             </a:extLst>
           </p:cNvPr>
@@ -5475,7 +5497,7 @@
           <p:cNvPr id="39" name="Rectangle: Rounded Corners 38">
             <a:extLst>
               <a:ext uri="{FF2B5EF4-FFF2-40B4-BE49-F238E27FC236}">
-                <a16:creationId xmlns:a16="http://schemas.microsoft.com/office/drawing/2014/main" id="{EE760B4D-42FF-4F15-9B94-23CAAFD7463A}"/>
+                <a16:creationId xmlns:a16="http://schemas.microsoft.com/office/drawing/2014/main" xmlns="" id="{EE760B4D-42FF-4F15-9B94-23CAAFD7463A}"/>
               </a:ext>
             </a:extLst>
           </p:cNvPr>
@@ -5547,7 +5569,7 @@
           <p:cNvPr id="40" name="Straight Arrow Connector 39">
             <a:extLst>
               <a:ext uri="{FF2B5EF4-FFF2-40B4-BE49-F238E27FC236}">
-                <a16:creationId xmlns:a16="http://schemas.microsoft.com/office/drawing/2014/main" id="{23201F0C-9472-4C7E-8800-8510662003BE}"/>
+                <a16:creationId xmlns:a16="http://schemas.microsoft.com/office/drawing/2014/main" xmlns="" id="{23201F0C-9472-4C7E-8800-8510662003BE}"/>
               </a:ext>
             </a:extLst>
           </p:cNvPr>
@@ -5587,7 +5609,7 @@
           <p:cNvPr id="47" name="Straight Arrow Connector 46">
             <a:extLst>
               <a:ext uri="{FF2B5EF4-FFF2-40B4-BE49-F238E27FC236}">
-                <a16:creationId xmlns:a16="http://schemas.microsoft.com/office/drawing/2014/main" id="{F6316398-CBBD-494D-B31C-DA31B186534E}"/>
+                <a16:creationId xmlns:a16="http://schemas.microsoft.com/office/drawing/2014/main" xmlns="" id="{F6316398-CBBD-494D-B31C-DA31B186534E}"/>
               </a:ext>
             </a:extLst>
           </p:cNvPr>
@@ -5627,7 +5649,7 @@
           <p:cNvPr id="48" name="Rectangle 47">
             <a:extLst>
               <a:ext uri="{FF2B5EF4-FFF2-40B4-BE49-F238E27FC236}">
-                <a16:creationId xmlns:a16="http://schemas.microsoft.com/office/drawing/2014/main" id="{E7B12A6F-B2CB-44A7-B153-09BC9462F46D}"/>
+                <a16:creationId xmlns:a16="http://schemas.microsoft.com/office/drawing/2014/main" xmlns="" id="{E7B12A6F-B2CB-44A7-B153-09BC9462F46D}"/>
               </a:ext>
             </a:extLst>
           </p:cNvPr>
@@ -5818,7 +5840,7 @@
           <p:cNvPr id="50" name="Cylinder 49">
             <a:extLst>
               <a:ext uri="{FF2B5EF4-FFF2-40B4-BE49-F238E27FC236}">
-                <a16:creationId xmlns:a16="http://schemas.microsoft.com/office/drawing/2014/main" id="{01131E7F-635B-4482-A0AC-61B15D1B0EE5}"/>
+                <a16:creationId xmlns:a16="http://schemas.microsoft.com/office/drawing/2014/main" xmlns="" id="{01131E7F-635B-4482-A0AC-61B15D1B0EE5}"/>
               </a:ext>
             </a:extLst>
           </p:cNvPr>
@@ -5882,7 +5904,7 @@
           <p:cNvPr id="51" name="Straight Arrow Connector 50">
             <a:extLst>
               <a:ext uri="{FF2B5EF4-FFF2-40B4-BE49-F238E27FC236}">
-                <a16:creationId xmlns:a16="http://schemas.microsoft.com/office/drawing/2014/main" id="{877AA804-4EAD-4702-A11B-EF390E8A3E09}"/>
+                <a16:creationId xmlns:a16="http://schemas.microsoft.com/office/drawing/2014/main" xmlns="" id="{877AA804-4EAD-4702-A11B-EF390E8A3E09}"/>
               </a:ext>
             </a:extLst>
           </p:cNvPr>
@@ -5922,7 +5944,7 @@
           <p:cNvPr id="52" name="Picture 52" descr="A picture containing clipart&#10;&#10;Description generated with high confidence">
             <a:extLst>
               <a:ext uri="{FF2B5EF4-FFF2-40B4-BE49-F238E27FC236}">
-                <a16:creationId xmlns:a16="http://schemas.microsoft.com/office/drawing/2014/main" id="{A2E58740-3526-4FE6-B2C1-B15385767E59}"/>
+                <a16:creationId xmlns:a16="http://schemas.microsoft.com/office/drawing/2014/main" xmlns="" id="{A2E58740-3526-4FE6-B2C1-B15385767E59}"/>
               </a:ext>
             </a:extLst>
           </p:cNvPr>
@@ -5952,7 +5974,7 @@
           <p:cNvPr id="54" name="Picture 54" descr="A picture containing music, clipart&#10;&#10;Description generated with high confidence">
             <a:extLst>
               <a:ext uri="{FF2B5EF4-FFF2-40B4-BE49-F238E27FC236}">
-                <a16:creationId xmlns:a16="http://schemas.microsoft.com/office/drawing/2014/main" id="{1CC545A6-AFAB-44ED-81B6-E27D75C71938}"/>
+                <a16:creationId xmlns:a16="http://schemas.microsoft.com/office/drawing/2014/main" xmlns="" id="{1CC545A6-AFAB-44ED-81B6-E27D75C71938}"/>
               </a:ext>
             </a:extLst>
           </p:cNvPr>
@@ -5982,7 +6004,7 @@
           <p:cNvPr id="56" name="Picture 56">
             <a:extLst>
               <a:ext uri="{FF2B5EF4-FFF2-40B4-BE49-F238E27FC236}">
-                <a16:creationId xmlns:a16="http://schemas.microsoft.com/office/drawing/2014/main" id="{343F8DF8-1580-4D2E-962C-4097DF4A8D43}"/>
+                <a16:creationId xmlns:a16="http://schemas.microsoft.com/office/drawing/2014/main" xmlns="" id="{343F8DF8-1580-4D2E-962C-4097DF4A8D43}"/>
               </a:ext>
             </a:extLst>
           </p:cNvPr>
@@ -6012,7 +6034,7 @@
           <p:cNvPr id="58" name="Picture 58" descr="A picture containing device, gauge&#10;&#10;Description generated with high confidence">
             <a:extLst>
               <a:ext uri="{FF2B5EF4-FFF2-40B4-BE49-F238E27FC236}">
-                <a16:creationId xmlns:a16="http://schemas.microsoft.com/office/drawing/2014/main" id="{B94CFD5A-50B7-42CB-A3C7-781F61261822}"/>
+                <a16:creationId xmlns:a16="http://schemas.microsoft.com/office/drawing/2014/main" xmlns="" id="{B94CFD5A-50B7-42CB-A3C7-781F61261822}"/>
               </a:ext>
             </a:extLst>
           </p:cNvPr>
@@ -6042,7 +6064,7 @@
           <p:cNvPr id="60" name="Picture 60">
             <a:extLst>
               <a:ext uri="{FF2B5EF4-FFF2-40B4-BE49-F238E27FC236}">
-                <a16:creationId xmlns:a16="http://schemas.microsoft.com/office/drawing/2014/main" id="{4197171F-976C-499B-8C26-7BA53CF2B0CC}"/>
+                <a16:creationId xmlns:a16="http://schemas.microsoft.com/office/drawing/2014/main" xmlns="" id="{4197171F-976C-499B-8C26-7BA53CF2B0CC}"/>
               </a:ext>
             </a:extLst>
           </p:cNvPr>
@@ -6072,7 +6094,7 @@
           <p:cNvPr id="62" name="Picture 62" descr="A picture containing clipart&#10;&#10;Description generated with very high confidence">
             <a:extLst>
               <a:ext uri="{FF2B5EF4-FFF2-40B4-BE49-F238E27FC236}">
-                <a16:creationId xmlns:a16="http://schemas.microsoft.com/office/drawing/2014/main" id="{FB399A1A-75D8-438F-97CA-00193C08F503}"/>
+                <a16:creationId xmlns:a16="http://schemas.microsoft.com/office/drawing/2014/main" xmlns="" id="{FB399A1A-75D8-438F-97CA-00193C08F503}"/>
               </a:ext>
             </a:extLst>
           </p:cNvPr>
@@ -6102,7 +6124,7 @@
           <p:cNvPr id="64" name="Picture 64" descr="A drawing of a face&#10;&#10;Description generated with high confidence">
             <a:extLst>
               <a:ext uri="{FF2B5EF4-FFF2-40B4-BE49-F238E27FC236}">
-                <a16:creationId xmlns:a16="http://schemas.microsoft.com/office/drawing/2014/main" id="{DAC95CF3-E1F6-4C96-A124-9CB6CC0E0B3C}"/>
+                <a16:creationId xmlns:a16="http://schemas.microsoft.com/office/drawing/2014/main" xmlns="" id="{DAC95CF3-E1F6-4C96-A124-9CB6CC0E0B3C}"/>
               </a:ext>
             </a:extLst>
           </p:cNvPr>
@@ -6132,7 +6154,7 @@
           <p:cNvPr id="68" name="Picture 68" descr="A picture containing clipart&#10;&#10;Description generated with high confidence">
             <a:extLst>
               <a:ext uri="{FF2B5EF4-FFF2-40B4-BE49-F238E27FC236}">
-                <a16:creationId xmlns:a16="http://schemas.microsoft.com/office/drawing/2014/main" id="{E7F774E1-D546-40A0-BA18-A04AA54D25EE}"/>
+                <a16:creationId xmlns:a16="http://schemas.microsoft.com/office/drawing/2014/main" xmlns="" id="{E7F774E1-D546-40A0-BA18-A04AA54D25EE}"/>
               </a:ext>
             </a:extLst>
           </p:cNvPr>
@@ -6162,7 +6184,7 @@
           <p:cNvPr id="70" name="Picture 70" descr="A picture containing clipart&#10;&#10;Description generated with high confidence">
             <a:extLst>
               <a:ext uri="{FF2B5EF4-FFF2-40B4-BE49-F238E27FC236}">
-                <a16:creationId xmlns:a16="http://schemas.microsoft.com/office/drawing/2014/main" id="{C8E9EFF5-ABAE-43C0-BD92-6A5126CC9D53}"/>
+                <a16:creationId xmlns:a16="http://schemas.microsoft.com/office/drawing/2014/main" xmlns="" id="{C8E9EFF5-ABAE-43C0-BD92-6A5126CC9D53}"/>
               </a:ext>
             </a:extLst>
           </p:cNvPr>
@@ -6192,7 +6214,7 @@
           <p:cNvPr id="72" name="Picture 72">
             <a:extLst>
               <a:ext uri="{FF2B5EF4-FFF2-40B4-BE49-F238E27FC236}">
-                <a16:creationId xmlns:a16="http://schemas.microsoft.com/office/drawing/2014/main" id="{6C91EEEC-D8F1-4324-8D77-1E0FD5DC09D5}"/>
+                <a16:creationId xmlns:a16="http://schemas.microsoft.com/office/drawing/2014/main" xmlns="" id="{6C91EEEC-D8F1-4324-8D77-1E0FD5DC09D5}"/>
               </a:ext>
             </a:extLst>
           </p:cNvPr>
@@ -6222,7 +6244,7 @@
           <p:cNvPr id="74" name="Picture 74">
             <a:extLst>
               <a:ext uri="{FF2B5EF4-FFF2-40B4-BE49-F238E27FC236}">
-                <a16:creationId xmlns:a16="http://schemas.microsoft.com/office/drawing/2014/main" id="{27836DEE-9039-455C-85E6-F0BACFBBE7AA}"/>
+                <a16:creationId xmlns:a16="http://schemas.microsoft.com/office/drawing/2014/main" xmlns="" id="{27836DEE-9039-455C-85E6-F0BACFBBE7AA}"/>
               </a:ext>
             </a:extLst>
           </p:cNvPr>
@@ -6252,7 +6274,7 @@
           <p:cNvPr id="7" name="Picture 7" descr="A drawing of a face&#10;&#10;Description generated with high confidence">
             <a:extLst>
               <a:ext uri="{FF2B5EF4-FFF2-40B4-BE49-F238E27FC236}">
-                <a16:creationId xmlns:a16="http://schemas.microsoft.com/office/drawing/2014/main" id="{A115E1F3-FFD3-4DFC-9601-F5405D33FD2B}"/>
+                <a16:creationId xmlns:a16="http://schemas.microsoft.com/office/drawing/2014/main" xmlns="" id="{A115E1F3-FFD3-4DFC-9601-F5405D33FD2B}"/>
               </a:ext>
             </a:extLst>
           </p:cNvPr>
@@ -6282,7 +6304,7 @@
           <p:cNvPr id="4" name="TextBox 3">
             <a:extLst>
               <a:ext uri="{FF2B5EF4-FFF2-40B4-BE49-F238E27FC236}">
-                <a16:creationId xmlns:a16="http://schemas.microsoft.com/office/drawing/2014/main" id="{EB61E440-95F3-4F01-B73C-08187E975E6A}"/>
+                <a16:creationId xmlns:a16="http://schemas.microsoft.com/office/drawing/2014/main" xmlns="" id="{EB61E440-95F3-4F01-B73C-08187E975E6A}"/>
               </a:ext>
             </a:extLst>
           </p:cNvPr>
@@ -6320,7 +6342,7 @@
           <p:cNvPr id="9" name="Rectangle: Rounded Corners 8">
             <a:extLst>
               <a:ext uri="{FF2B5EF4-FFF2-40B4-BE49-F238E27FC236}">
-                <a16:creationId xmlns:a16="http://schemas.microsoft.com/office/drawing/2014/main" id="{20ADAE6A-B06B-45D4-BA45-D3794C99D58E}"/>
+                <a16:creationId xmlns:a16="http://schemas.microsoft.com/office/drawing/2014/main" xmlns="" id="{20ADAE6A-B06B-45D4-BA45-D3794C99D58E}"/>
               </a:ext>
             </a:extLst>
           </p:cNvPr>
@@ -6373,15 +6395,33 @@
           <a:p>
             <a:pPr algn="ctr"/>
             <a:r>
-              <a:rPr lang="en-US" dirty="0" err="1">
+              <a:rPr lang="en-US" dirty="0">
                 <a:solidFill>
                   <a:srgbClr val="000000"/>
                 </a:solidFill>
                 <a:cs typeface="Calibri Light"/>
               </a:rPr>
-              <a:t>Server:MySQL</a:t>
-            </a:r>
-            <a:endParaRPr lang="en-US" dirty="0" err="1">
+              <a:t>Server</a:t>
+            </a:r>
+            <a:r>
+              <a:rPr lang="en-US" dirty="0" smtClean="0">
+                <a:solidFill>
+                  <a:srgbClr val="000000"/>
+                </a:solidFill>
+                <a:cs typeface="Calibri Light"/>
+              </a:rPr>
+              <a:t>: </a:t>
+            </a:r>
+            <a:r>
+              <a:rPr lang="en-US" dirty="0" smtClean="0">
+                <a:solidFill>
+                  <a:srgbClr val="000000"/>
+                </a:solidFill>
+                <a:cs typeface="Calibri Light"/>
+              </a:rPr>
+              <a:t>Apache</a:t>
+            </a:r>
+            <a:endParaRPr lang="en-US" dirty="0">
               <a:solidFill>
                 <a:srgbClr val="000000"/>
               </a:solidFill>
@@ -6394,7 +6434,7 @@
           <p:cNvPr id="53" name="Rectangle: Rounded Corners 52">
             <a:extLst>
               <a:ext uri="{FF2B5EF4-FFF2-40B4-BE49-F238E27FC236}">
-                <a16:creationId xmlns:a16="http://schemas.microsoft.com/office/drawing/2014/main" id="{2C0D625E-4A66-4127-AE15-830466CE7F46}"/>
+                <a16:creationId xmlns:a16="http://schemas.microsoft.com/office/drawing/2014/main" xmlns="" id="{2C0D625E-4A66-4127-AE15-830466CE7F46}"/>
               </a:ext>
             </a:extLst>
           </p:cNvPr>
@@ -6475,7 +6515,7 @@
           <p:cNvPr id="55" name="Rectangle: Rounded Corners 54">
             <a:extLst>
               <a:ext uri="{FF2B5EF4-FFF2-40B4-BE49-F238E27FC236}">
-                <a16:creationId xmlns:a16="http://schemas.microsoft.com/office/drawing/2014/main" id="{341EA89C-6F56-46A0-96CD-7BB65C101E24}"/>
+                <a16:creationId xmlns:a16="http://schemas.microsoft.com/office/drawing/2014/main" xmlns="" id="{341EA89C-6F56-46A0-96CD-7BB65C101E24}"/>
               </a:ext>
             </a:extLst>
           </p:cNvPr>
@@ -6534,20 +6574,32 @@
                 </a:solidFill>
                 <a:cs typeface="Calibri Light"/>
               </a:rPr>
-              <a:t>Server:</a:t>
-            </a:r>
-          </a:p>
-          <a:p>
-            <a:pPr algn="ctr"/>
-            <a:r>
-              <a:rPr lang="en-US" dirty="0">
+              <a:t>Server</a:t>
+            </a:r>
+            <a:r>
+              <a:rPr lang="en-US" dirty="0" smtClean="0">
                 <a:solidFill>
                   <a:srgbClr val="000000"/>
                 </a:solidFill>
                 <a:cs typeface="Calibri Light"/>
               </a:rPr>
-              <a:t>Apache</a:t>
-            </a:r>
+              <a:t>: </a:t>
+            </a:r>
+            <a:r>
+              <a:rPr lang="en-US" dirty="0" err="1" smtClean="0">
+                <a:solidFill>
+                  <a:srgbClr val="000000"/>
+                </a:solidFill>
+                <a:cs typeface="Calibri Light"/>
+              </a:rPr>
+              <a:t>MySQL</a:t>
+            </a:r>
+            <a:endParaRPr lang="en-US" dirty="0">
+              <a:solidFill>
+                <a:srgbClr val="000000"/>
+              </a:solidFill>
+              <a:cs typeface="Calibri Light"/>
+            </a:endParaRPr>
           </a:p>
         </p:txBody>
       </p:sp>
@@ -6556,7 +6608,7 @@
           <p:cNvPr id="49" name="Straight Arrow Connector 48">
             <a:extLst>
               <a:ext uri="{FF2B5EF4-FFF2-40B4-BE49-F238E27FC236}">
-                <a16:creationId xmlns:a16="http://schemas.microsoft.com/office/drawing/2014/main" id="{E066E53C-CA6E-435B-AEDA-FDC9A4A061D9}"/>
+                <a16:creationId xmlns:a16="http://schemas.microsoft.com/office/drawing/2014/main" xmlns="" id="{E066E53C-CA6E-435B-AEDA-FDC9A4A061D9}"/>
               </a:ext>
             </a:extLst>
           </p:cNvPr>
@@ -6597,7 +6649,7 @@
           <p:cNvPr id="57" name="Straight Arrow Connector 56">
             <a:extLst>
               <a:ext uri="{FF2B5EF4-FFF2-40B4-BE49-F238E27FC236}">
-                <a16:creationId xmlns:a16="http://schemas.microsoft.com/office/drawing/2014/main" id="{C4981B76-DC5F-4FFD-B4CC-8FC789B66005}"/>
+                <a16:creationId xmlns:a16="http://schemas.microsoft.com/office/drawing/2014/main" xmlns="" id="{C4981B76-DC5F-4FFD-B4CC-8FC789B66005}"/>
               </a:ext>
             </a:extLst>
           </p:cNvPr>
@@ -6636,7 +6688,7 @@
     </p:spTree>
     <p:extLst>
       <p:ext uri="{BB962C8B-B14F-4D97-AF65-F5344CB8AC3E}">
-        <p14:creationId xmlns:p14="http://schemas.microsoft.com/office/powerpoint/2010/main" val="3092924911"/>
+        <p14:creationId xmlns:p14="http://schemas.microsoft.com/office/powerpoint/2010/main" xmlns="" val="3092924911"/>
       </p:ext>
     </p:extLst>
   </p:cSld>
@@ -6668,7 +6720,7 @@
           <p:cNvPr id="2" name="TextBox 1">
             <a:extLst>
               <a:ext uri="{FF2B5EF4-FFF2-40B4-BE49-F238E27FC236}">
-                <a16:creationId xmlns:a16="http://schemas.microsoft.com/office/drawing/2014/main" id="{59753896-C1E1-4D67-9B83-31D1EA4D6077}"/>
+                <a16:creationId xmlns:a16="http://schemas.microsoft.com/office/drawing/2014/main" xmlns="" id="{59753896-C1E1-4D67-9B83-31D1EA4D6077}"/>
               </a:ext>
             </a:extLst>
           </p:cNvPr>
@@ -6707,7 +6759,7 @@
           <p:cNvPr id="3" name="TextBox 2">
             <a:extLst>
               <a:ext uri="{FF2B5EF4-FFF2-40B4-BE49-F238E27FC236}">
-                <a16:creationId xmlns:a16="http://schemas.microsoft.com/office/drawing/2014/main" id="{9B297905-40C5-4900-A0DB-9D80423F7C7D}"/>
+                <a16:creationId xmlns:a16="http://schemas.microsoft.com/office/drawing/2014/main" xmlns="" id="{9B297905-40C5-4900-A0DB-9D80423F7C7D}"/>
               </a:ext>
             </a:extLst>
           </p:cNvPr>
@@ -6935,7 +6987,7 @@
           <p:cNvPr id="4" name="Table 4">
             <a:extLst>
               <a:ext uri="{FF2B5EF4-FFF2-40B4-BE49-F238E27FC236}">
-                <a16:creationId xmlns:a16="http://schemas.microsoft.com/office/drawing/2014/main" id="{5F3088F4-DD63-4990-BCCB-721767FBF2AD}"/>
+                <a16:creationId xmlns:a16="http://schemas.microsoft.com/office/drawing/2014/main" xmlns="" id="{5F3088F4-DD63-4990-BCCB-721767FBF2AD}"/>
               </a:ext>
             </a:extLst>
           </p:cNvPr>
@@ -6945,7 +6997,7 @@
           <p:nvPr>
             <p:extLst>
               <p:ext uri="{D42A27DB-BD31-4B8C-83A1-F6EECF244321}">
-                <p14:modId xmlns:p14="http://schemas.microsoft.com/office/powerpoint/2010/main" val="2782664394"/>
+                <p14:modId xmlns:p14="http://schemas.microsoft.com/office/powerpoint/2010/main" xmlns="" val="2782664394"/>
               </p:ext>
             </p:extLst>
           </p:nvPr>
@@ -6964,14 +7016,14 @@
                 <a:gridCol w="4084320">
                   <a:extLst>
                     <a:ext uri="{9D8B030D-6E8A-4147-A177-3AD203B41FA5}">
-                      <a16:colId xmlns:a16="http://schemas.microsoft.com/office/drawing/2014/main" val="1643107906"/>
+                      <a16:colId xmlns:a16="http://schemas.microsoft.com/office/drawing/2014/main" xmlns="" val="1643107906"/>
                     </a:ext>
                   </a:extLst>
                 </a:gridCol>
                 <a:gridCol w="4084320">
                   <a:extLst>
                     <a:ext uri="{9D8B030D-6E8A-4147-A177-3AD203B41FA5}">
-                      <a16:colId xmlns:a16="http://schemas.microsoft.com/office/drawing/2014/main" val="813177763"/>
+                      <a16:colId xmlns:a16="http://schemas.microsoft.com/office/drawing/2014/main" xmlns="" val="813177763"/>
                     </a:ext>
                   </a:extLst>
                 </a:gridCol>
@@ -7025,7 +7077,7 @@
                 </a:tc>
                 <a:extLst>
                   <a:ext uri="{0D108BD9-81ED-4DB2-BD59-A6C34878D82A}">
-                    <a16:rowId xmlns:a16="http://schemas.microsoft.com/office/drawing/2014/main" val="3839803213"/>
+                    <a16:rowId xmlns:a16="http://schemas.microsoft.com/office/drawing/2014/main" xmlns="" val="3839803213"/>
                   </a:ext>
                 </a:extLst>
               </a:tr>
@@ -7072,7 +7124,7 @@
                 </a:tc>
                 <a:extLst>
                   <a:ext uri="{0D108BD9-81ED-4DB2-BD59-A6C34878D82A}">
-                    <a16:rowId xmlns:a16="http://schemas.microsoft.com/office/drawing/2014/main" val="2469321376"/>
+                    <a16:rowId xmlns:a16="http://schemas.microsoft.com/office/drawing/2014/main" xmlns="" val="2469321376"/>
                   </a:ext>
                 </a:extLst>
               </a:tr>
@@ -7127,7 +7179,7 @@
                 </a:tc>
                 <a:extLst>
                   <a:ext uri="{0D108BD9-81ED-4DB2-BD59-A6C34878D82A}">
-                    <a16:rowId xmlns:a16="http://schemas.microsoft.com/office/drawing/2014/main" val="3064429196"/>
+                    <a16:rowId xmlns:a16="http://schemas.microsoft.com/office/drawing/2014/main" xmlns="" val="3064429196"/>
                   </a:ext>
                 </a:extLst>
               </a:tr>
@@ -7141,21 +7193,18 @@
                         <a:buNone/>
                       </a:pPr>
                       <a:r>
-                        <a:rPr lang="en-US" dirty="0" err="1">
+                        <a:rPr lang="en-US" dirty="0" err="1" smtClean="0">
                           <a:solidFill>
                             <a:srgbClr val="000000"/>
                           </a:solidFill>
                         </a:rPr>
-                        <a:t>Geetali</a:t>
+                        <a:t>Geeta</a:t>
                       </a:r>
-                      <a:r>
-                        <a:rPr lang="en-US" dirty="0">
-                          <a:solidFill>
-                            <a:srgbClr val="000000"/>
-                          </a:solidFill>
-                        </a:rPr>
-                        <a:t> </a:t>
-                      </a:r>
+                      <a:endParaRPr lang="en-US" dirty="0">
+                        <a:solidFill>
+                          <a:srgbClr val="000000"/>
+                        </a:solidFill>
+                      </a:endParaRPr>
                     </a:p>
                   </a:txBody>
                   <a:tcPr/>
@@ -7182,7 +7231,7 @@
                 </a:tc>
                 <a:extLst>
                   <a:ext uri="{0D108BD9-81ED-4DB2-BD59-A6C34878D82A}">
-                    <a16:rowId xmlns:a16="http://schemas.microsoft.com/office/drawing/2014/main" val="1326591047"/>
+                    <a16:rowId xmlns:a16="http://schemas.microsoft.com/office/drawing/2014/main" xmlns="" val="1326591047"/>
                   </a:ext>
                 </a:extLst>
               </a:tr>
@@ -7193,7 +7242,7 @@
     </p:spTree>
     <p:extLst>
       <p:ext uri="{BB962C8B-B14F-4D97-AF65-F5344CB8AC3E}">
-        <p14:creationId xmlns:p14="http://schemas.microsoft.com/office/powerpoint/2010/main" val="290678878"/>
+        <p14:creationId xmlns:p14="http://schemas.microsoft.com/office/powerpoint/2010/main" xmlns="" val="290678878"/>
       </p:ext>
     </p:extLst>
   </p:cSld>
@@ -7225,7 +7274,7 @@
           <p:cNvPr id="2" name="TextBox 1">
             <a:extLst>
               <a:ext uri="{FF2B5EF4-FFF2-40B4-BE49-F238E27FC236}">
-                <a16:creationId xmlns:a16="http://schemas.microsoft.com/office/drawing/2014/main" id="{4B52AAFF-3195-4A12-9417-C1FD756F7042}"/>
+                <a16:creationId xmlns:a16="http://schemas.microsoft.com/office/drawing/2014/main" xmlns="" id="{4B52AAFF-3195-4A12-9417-C1FD756F7042}"/>
               </a:ext>
             </a:extLst>
           </p:cNvPr>
@@ -7295,7 +7344,19 @@
               <a:rPr lang="en-US" sz="2400" dirty="0">
                 <a:cs typeface="Calibri Light"/>
               </a:rPr>
-              <a:t>have the ability to view it when running the test</a:t>
+              <a:t>H</a:t>
+            </a:r>
+            <a:r>
+              <a:rPr lang="en-US" sz="2400" dirty="0" smtClean="0">
+                <a:cs typeface="Calibri Light"/>
+              </a:rPr>
+              <a:t>ave </a:t>
+            </a:r>
+            <a:r>
+              <a:rPr lang="en-US" sz="2400" dirty="0">
+                <a:cs typeface="Calibri Light"/>
+              </a:rPr>
+              <a:t>the ability to view it when running the test</a:t>
             </a:r>
           </a:p>
           <a:p>
@@ -7344,7 +7405,7 @@
               </a:rPr>
               <a:t>:The project is using an agile approach, with weekly iterations. At the end of each week the requirements identified for that iteration will be delivered to the team and will be tested. </a:t>
             </a:r>
-            <a:endParaRPr lang="en-US">
+            <a:endParaRPr lang="en-US" dirty="0">
               <a:cs typeface="Calibri Light"/>
             </a:endParaRPr>
           </a:p>
@@ -7379,7 +7440,7 @@
           <p:cNvPr id="3" name="Table 3">
             <a:extLst>
               <a:ext uri="{FF2B5EF4-FFF2-40B4-BE49-F238E27FC236}">
-                <a16:creationId xmlns:a16="http://schemas.microsoft.com/office/drawing/2014/main" id="{86C232A9-EB88-413F-82B5-5F08C0020BE1}"/>
+                <a16:creationId xmlns:a16="http://schemas.microsoft.com/office/drawing/2014/main" xmlns="" id="{86C232A9-EB88-413F-82B5-5F08C0020BE1}"/>
               </a:ext>
             </a:extLst>
           </p:cNvPr>
@@ -7389,14 +7450,14 @@
           <p:nvPr>
             <p:extLst>
               <p:ext uri="{D42A27DB-BD31-4B8C-83A1-F6EECF244321}">
-                <p14:modId xmlns:p14="http://schemas.microsoft.com/office/powerpoint/2010/main" val="2825969776"/>
+                <p14:modId xmlns:p14="http://schemas.microsoft.com/office/powerpoint/2010/main" xmlns="" val="2825969776"/>
               </p:ext>
             </p:extLst>
           </p:nvPr>
         </p:nvGraphicFramePr>
         <p:xfrm>
           <a:off x="862641" y="4643887"/>
-          <a:ext cx="10906120" cy="2166040"/>
+          <a:ext cx="10906120" cy="1900252"/>
         </p:xfrm>
         <a:graphic>
           <a:graphicData uri="http://schemas.openxmlformats.org/drawingml/2006/table">
@@ -7408,35 +7469,35 @@
                 <a:gridCol w="4829175">
                   <a:extLst>
                     <a:ext uri="{9D8B030D-6E8A-4147-A177-3AD203B41FA5}">
-                      <a16:colId xmlns:a16="http://schemas.microsoft.com/office/drawing/2014/main" val="3968502729"/>
+                      <a16:colId xmlns:a16="http://schemas.microsoft.com/office/drawing/2014/main" xmlns="" val="3968502729"/>
                     </a:ext>
                   </a:extLst>
                 </a:gridCol>
                 <a:gridCol w="1323974">
                   <a:extLst>
                     <a:ext uri="{9D8B030D-6E8A-4147-A177-3AD203B41FA5}">
-                      <a16:colId xmlns:a16="http://schemas.microsoft.com/office/drawing/2014/main" val="3272492059"/>
+                      <a16:colId xmlns:a16="http://schemas.microsoft.com/office/drawing/2014/main" xmlns="" val="3272492059"/>
                     </a:ext>
                   </a:extLst>
                 </a:gridCol>
                 <a:gridCol w="1438273">
                   <a:extLst>
                     <a:ext uri="{9D8B030D-6E8A-4147-A177-3AD203B41FA5}">
-                      <a16:colId xmlns:a16="http://schemas.microsoft.com/office/drawing/2014/main" val="4093223988"/>
+                      <a16:colId xmlns:a16="http://schemas.microsoft.com/office/drawing/2014/main" xmlns="" val="4093223988"/>
                     </a:ext>
                   </a:extLst>
                 </a:gridCol>
                 <a:gridCol w="1762125">
                   <a:extLst>
                     <a:ext uri="{9D8B030D-6E8A-4147-A177-3AD203B41FA5}">
-                      <a16:colId xmlns:a16="http://schemas.microsoft.com/office/drawing/2014/main" val="4063923381"/>
+                      <a16:colId xmlns:a16="http://schemas.microsoft.com/office/drawing/2014/main" xmlns="" val="4063923381"/>
                     </a:ext>
                   </a:extLst>
                 </a:gridCol>
                 <a:gridCol w="1552573">
                   <a:extLst>
                     <a:ext uri="{9D8B030D-6E8A-4147-A177-3AD203B41FA5}">
-                      <a16:colId xmlns:a16="http://schemas.microsoft.com/office/drawing/2014/main" val="3505208713"/>
+                      <a16:colId xmlns:a16="http://schemas.microsoft.com/office/drawing/2014/main" xmlns="" val="3505208713"/>
                     </a:ext>
                   </a:extLst>
                 </a:gridCol>
@@ -7542,7 +7603,7 @@
                 </a:tc>
                 <a:extLst>
                   <a:ext uri="{0D108BD9-81ED-4DB2-BD59-A6C34878D82A}">
-                    <a16:rowId xmlns:a16="http://schemas.microsoft.com/office/drawing/2014/main" val="2589071063"/>
+                    <a16:rowId xmlns:a16="http://schemas.microsoft.com/office/drawing/2014/main" xmlns="" val="2589071063"/>
                   </a:ext>
                 </a:extLst>
               </a:tr>
@@ -7616,7 +7677,7 @@
                 </a:tc>
                 <a:extLst>
                   <a:ext uri="{0D108BD9-81ED-4DB2-BD59-A6C34878D82A}">
-                    <a16:rowId xmlns:a16="http://schemas.microsoft.com/office/drawing/2014/main" val="603421884"/>
+                    <a16:rowId xmlns:a16="http://schemas.microsoft.com/office/drawing/2014/main" xmlns="" val="603421884"/>
                   </a:ext>
                 </a:extLst>
               </a:tr>
@@ -7691,7 +7752,7 @@
                 </a:tc>
                 <a:extLst>
                   <a:ext uri="{0D108BD9-81ED-4DB2-BD59-A6C34878D82A}">
-                    <a16:rowId xmlns:a16="http://schemas.microsoft.com/office/drawing/2014/main" val="2589626513"/>
+                    <a16:rowId xmlns:a16="http://schemas.microsoft.com/office/drawing/2014/main" xmlns="" val="2589626513"/>
                   </a:ext>
                 </a:extLst>
               </a:tr>
@@ -7712,6 +7773,111 @@
                           <a:latin typeface="Calibri Light"/>
                         </a:rPr>
                         <a:t>CICD with Jenkins </a:t>
+                      </a:r>
+                      <a:r>
+                        <a:rPr lang="en-US" sz="1800" b="0" i="0" u="none" strike="noStrike" noProof="0" dirty="0" smtClean="0">
+                          <a:solidFill>
+                            <a:srgbClr val="000000"/>
+                          </a:solidFill>
+                          <a:latin typeface="Calibri Light"/>
+                        </a:rPr>
+                        <a:t> and </a:t>
+                      </a:r>
+                      <a:r>
+                        <a:rPr lang="en-US" sz="1800" b="0" i="0" u="none" strike="noStrike" noProof="0" dirty="0" err="1" smtClean="0">
+                          <a:solidFill>
+                            <a:srgbClr val="000000"/>
+                          </a:solidFill>
+                          <a:latin typeface="Calibri Light"/>
+                        </a:rPr>
+                        <a:t>Github</a:t>
+                      </a:r>
+                      <a:endParaRPr lang="en-US" sz="1800" b="0" i="0" u="none" strike="noStrike" noProof="0" dirty="0">
+                        <a:solidFill>
+                          <a:srgbClr val="000000"/>
+                        </a:solidFill>
+                        <a:latin typeface="Calibri Light"/>
+                      </a:endParaRPr>
+                    </a:p>
+                  </a:txBody>
+                  <a:tcPr/>
+                </a:tc>
+                <a:tc>
+                  <a:txBody>
+                    <a:bodyPr/>
+                    <a:lstStyle/>
+                    <a:p>
+                      <a:endParaRPr lang="en-US"/>
+                    </a:p>
+                  </a:txBody>
+                  <a:tcPr/>
+                </a:tc>
+                <a:tc>
+                  <a:txBody>
+                    <a:bodyPr/>
+                    <a:lstStyle/>
+                    <a:p>
+                      <a:endParaRPr lang="en-US"/>
+                    </a:p>
+                  </a:txBody>
+                  <a:tcPr/>
+                </a:tc>
+                <a:tc>
+                  <a:txBody>
+                    <a:bodyPr/>
+                    <a:lstStyle/>
+                    <a:p>
+                      <a:pPr>
+                        <a:buNone/>
+                      </a:pPr>
+                      <a:r>
+                        <a:rPr lang="en-US" dirty="0"/>
+                        <a:t>1w</a:t>
+                      </a:r>
+                    </a:p>
+                  </a:txBody>
+                  <a:tcPr/>
+                </a:tc>
+                <a:tc>
+                  <a:txBody>
+                    <a:bodyPr/>
+                    <a:lstStyle/>
+                    <a:p>
+                      <a:endParaRPr lang="en-US"/>
+                    </a:p>
+                  </a:txBody>
+                  <a:tcPr/>
+                </a:tc>
+                <a:extLst>
+                  <a:ext uri="{0D108BD9-81ED-4DB2-BD59-A6C34878D82A}">
+                    <a16:rowId xmlns:a16="http://schemas.microsoft.com/office/drawing/2014/main" xmlns="" val="4249093704"/>
+                  </a:ext>
+                </a:extLst>
+              </a:tr>
+              <a:tr h="374292">
+                <a:tc>
+                  <a:txBody>
+                    <a:bodyPr/>
+                    <a:lstStyle/>
+                    <a:p>
+                      <a:pPr algn="ctr">
+                        <a:buNone/>
+                      </a:pPr>
+                      <a:r>
+                        <a:rPr lang="en-US" dirty="0" smtClean="0"/>
+                        <a:t>Parallel </a:t>
+                      </a:r>
+                      <a:r>
+                        <a:rPr lang="en-US" dirty="0"/>
+                        <a:t>execution </a:t>
+                      </a:r>
+                      <a:r>
+                        <a:rPr lang="en-US" dirty="0" smtClean="0"/>
+                        <a:t>through </a:t>
+                      </a:r>
+                      <a:r>
+                        <a:rPr lang="en-US" dirty="0"/>
+                        <a:t>Grid </a:t>
                       </a:r>
                     </a:p>
                   </a:txBody>
@@ -7765,100 +7931,7 @@
                 </a:tc>
                 <a:extLst>
                   <a:ext uri="{0D108BD9-81ED-4DB2-BD59-A6C34878D82A}">
-                    <a16:rowId xmlns:a16="http://schemas.microsoft.com/office/drawing/2014/main" val="4249093704"/>
-                  </a:ext>
-                </a:extLst>
-              </a:tr>
-              <a:tr h="374292">
-                <a:tc>
-                  <a:txBody>
-                    <a:bodyPr/>
-                    <a:lstStyle/>
-                    <a:p>
-                      <a:pPr algn="ctr">
-                        <a:buNone/>
-                      </a:pPr>
-                      <a:r>
-                        <a:rPr lang="en-US" dirty="0"/>
-                        <a:t> Collaborating through </a:t>
-                      </a:r>
-                      <a:r>
-                        <a:rPr lang="en-US" dirty="0" err="1"/>
-                        <a:t>Github</a:t>
-                      </a:r>
-                      <a:r>
-                        <a:rPr lang="en-US" dirty="0"/>
-                        <a:t> and  </a:t>
-                      </a:r>
-                      <a:r>
-                        <a:rPr lang="en-US" dirty="0" err="1"/>
-                        <a:t>parrallel</a:t>
-                      </a:r>
-                      <a:r>
-                        <a:rPr lang="en-US" dirty="0"/>
-                        <a:t> execution </a:t>
-                      </a:r>
-                      <a:r>
-                        <a:rPr lang="en-US" dirty="0" err="1"/>
-                        <a:t>throgh</a:t>
-                      </a:r>
-                      <a:r>
-                        <a:rPr lang="en-US" dirty="0"/>
-                        <a:t> Grid </a:t>
-                      </a:r>
-                    </a:p>
-                  </a:txBody>
-                  <a:tcPr/>
-                </a:tc>
-                <a:tc>
-                  <a:txBody>
-                    <a:bodyPr/>
-                    <a:lstStyle/>
-                    <a:p>
-                      <a:endParaRPr lang="en-US"/>
-                    </a:p>
-                  </a:txBody>
-                  <a:tcPr/>
-                </a:tc>
-                <a:tc>
-                  <a:txBody>
-                    <a:bodyPr/>
-                    <a:lstStyle/>
-                    <a:p>
-                      <a:endParaRPr lang="en-US"/>
-                    </a:p>
-                  </a:txBody>
-                  <a:tcPr/>
-                </a:tc>
-                <a:tc>
-                  <a:txBody>
-                    <a:bodyPr/>
-                    <a:lstStyle/>
-                    <a:p>
-                      <a:pPr>
-                        <a:buNone/>
-                      </a:pPr>
-                      <a:r>
-                        <a:rPr lang="en-US" dirty="0"/>
-                        <a:t>1w</a:t>
-                      </a:r>
-                    </a:p>
-                  </a:txBody>
-                  <a:tcPr/>
-                </a:tc>
-                <a:tc>
-                  <a:txBody>
-                    <a:bodyPr/>
-                    <a:lstStyle/>
-                    <a:p>
-                      <a:endParaRPr lang="en-US"/>
-                    </a:p>
-                  </a:txBody>
-                  <a:tcPr/>
-                </a:tc>
-                <a:extLst>
-                  <a:ext uri="{0D108BD9-81ED-4DB2-BD59-A6C34878D82A}">
-                    <a16:rowId xmlns:a16="http://schemas.microsoft.com/office/drawing/2014/main" val="986930206"/>
+                    <a16:rowId xmlns:a16="http://schemas.microsoft.com/office/drawing/2014/main" xmlns="" val="986930206"/>
                   </a:ext>
                 </a:extLst>
               </a:tr>
@@ -7871,7 +7944,7 @@
           <p:cNvPr id="5" name="TextBox 4">
             <a:extLst>
               <a:ext uri="{FF2B5EF4-FFF2-40B4-BE49-F238E27FC236}">
-                <a16:creationId xmlns:a16="http://schemas.microsoft.com/office/drawing/2014/main" id="{24D13FA3-4562-4E90-B981-CC96C63783C7}"/>
+                <a16:creationId xmlns:a16="http://schemas.microsoft.com/office/drawing/2014/main" xmlns="" id="{24D13FA3-4562-4E90-B981-CC96C63783C7}"/>
               </a:ext>
             </a:extLst>
           </p:cNvPr>
@@ -7908,7 +7981,7 @@
     </p:spTree>
     <p:extLst>
       <p:ext uri="{BB962C8B-B14F-4D97-AF65-F5344CB8AC3E}">
-        <p14:creationId xmlns:p14="http://schemas.microsoft.com/office/powerpoint/2010/main" val="2162510603"/>
+        <p14:creationId xmlns:p14="http://schemas.microsoft.com/office/powerpoint/2010/main" xmlns="" val="2162510603"/>
       </p:ext>
     </p:extLst>
   </p:cSld>
@@ -7940,7 +8013,7 @@
           <p:cNvPr id="2" name="TextBox 1">
             <a:extLst>
               <a:ext uri="{FF2B5EF4-FFF2-40B4-BE49-F238E27FC236}">
-                <a16:creationId xmlns:a16="http://schemas.microsoft.com/office/drawing/2014/main" id="{DAE86DAA-3564-4475-96EB-FBE239F2BE02}"/>
+                <a16:creationId xmlns:a16="http://schemas.microsoft.com/office/drawing/2014/main" xmlns="" id="{DAE86DAA-3564-4475-96EB-FBE239F2BE02}"/>
               </a:ext>
             </a:extLst>
           </p:cNvPr>
@@ -7975,7 +8048,15 @@
             </a:r>
             <a:r>
               <a:rPr lang="en-AU" sz="2400" dirty="0"/>
-              <a:t>Functional testing, Regression testing, Automation scripting using Selenium with Java, Continuous Integration and automation test execution schedule with Jenkins </a:t>
+              <a:t>Functional testing, Regression testing, Automation scripting using Selenium with Java, Continuous Integration and </a:t>
+            </a:r>
+            <a:r>
+              <a:rPr lang="en-AU" sz="2400" dirty="0" smtClean="0"/>
+              <a:t>automated </a:t>
+            </a:r>
+            <a:r>
+              <a:rPr lang="en-AU" sz="2400" dirty="0"/>
+              <a:t>test execution schedule with Jenkins </a:t>
             </a:r>
             <a:r>
               <a:rPr lang="en-AU" sz="2400" dirty="0">
@@ -7988,7 +8069,7 @@
             </a:endParaRPr>
           </a:p>
           <a:p>
-            <a:endParaRPr lang="en-US">
+            <a:endParaRPr lang="en-US" dirty="0">
               <a:cs typeface="Calibri Light"/>
             </a:endParaRPr>
           </a:p>
@@ -8003,7 +8084,19 @@
               <a:rPr lang="en-AU" sz="2400" dirty="0">
                 <a:cs typeface="Calibri Light"/>
               </a:rPr>
-              <a:t> All the modules of the application would be tested in 3 primary browsers for desktops (Windows 64 bit and Mac OS X and higher), namely</a:t>
+              <a:t> All the modules of the application would be tested in </a:t>
+            </a:r>
+            <a:r>
+              <a:rPr lang="en-AU" sz="2400" dirty="0" smtClean="0">
+                <a:cs typeface="Calibri Light"/>
+              </a:rPr>
+              <a:t>4 </a:t>
+            </a:r>
+            <a:r>
+              <a:rPr lang="en-AU" sz="2400" dirty="0">
+                <a:cs typeface="Calibri Light"/>
+              </a:rPr>
+              <a:t>primary browsers for desktops (Windows 64 bit and Mac OS X and higher), namely</a:t>
             </a:r>
             <a:endParaRPr lang="en-US" dirty="0"/>
           </a:p>
@@ -8078,7 +8171,7 @@
           <p:cNvPr id="3" name="Table 3">
             <a:extLst>
               <a:ext uri="{FF2B5EF4-FFF2-40B4-BE49-F238E27FC236}">
-                <a16:creationId xmlns:a16="http://schemas.microsoft.com/office/drawing/2014/main" id="{870429D0-BA49-4D52-A80D-CEC344CA9180}"/>
+                <a16:creationId xmlns:a16="http://schemas.microsoft.com/office/drawing/2014/main" xmlns="" id="{870429D0-BA49-4D52-A80D-CEC344CA9180}"/>
               </a:ext>
             </a:extLst>
           </p:cNvPr>
@@ -8088,14 +8181,14 @@
           <p:nvPr>
             <p:extLst>
               <p:ext uri="{D42A27DB-BD31-4B8C-83A1-F6EECF244321}">
-                <p14:modId xmlns:p14="http://schemas.microsoft.com/office/powerpoint/2010/main" val="2716261282"/>
+                <p14:modId xmlns:p14="http://schemas.microsoft.com/office/powerpoint/2010/main" xmlns="" val="2716261282"/>
               </p:ext>
             </p:extLst>
           </p:nvPr>
         </p:nvGraphicFramePr>
         <p:xfrm>
           <a:off x="345056" y="4385094"/>
-          <a:ext cx="11492134" cy="2479864"/>
+          <a:ext cx="11492134" cy="2717475"/>
         </p:xfrm>
         <a:graphic>
           <a:graphicData uri="http://schemas.openxmlformats.org/drawingml/2006/table">
@@ -8107,14 +8200,14 @@
                 <a:gridCol w="5746067">
                   <a:extLst>
                     <a:ext uri="{9D8B030D-6E8A-4147-A177-3AD203B41FA5}">
-                      <a16:colId xmlns:a16="http://schemas.microsoft.com/office/drawing/2014/main" val="3416421046"/>
+                      <a16:colId xmlns:a16="http://schemas.microsoft.com/office/drawing/2014/main" xmlns="" val="3416421046"/>
                     </a:ext>
                   </a:extLst>
                 </a:gridCol>
                 <a:gridCol w="5746067">
                   <a:extLst>
                     <a:ext uri="{9D8B030D-6E8A-4147-A177-3AD203B41FA5}">
-                      <a16:colId xmlns:a16="http://schemas.microsoft.com/office/drawing/2014/main" val="41846239"/>
+                      <a16:colId xmlns:a16="http://schemas.microsoft.com/office/drawing/2014/main" xmlns="" val="41846239"/>
                     </a:ext>
                   </a:extLst>
                 </a:gridCol>
@@ -8164,7 +8257,7 @@
                 </a:tc>
                 <a:extLst>
                   <a:ext uri="{0D108BD9-81ED-4DB2-BD59-A6C34878D82A}">
-                    <a16:rowId xmlns:a16="http://schemas.microsoft.com/office/drawing/2014/main" val="3275731927"/>
+                    <a16:rowId xmlns:a16="http://schemas.microsoft.com/office/drawing/2014/main" xmlns="" val="3275731927"/>
                   </a:ext>
                 </a:extLst>
               </a:tr>
@@ -8217,7 +8310,7 @@
                 </a:tc>
                 <a:extLst>
                   <a:ext uri="{0D108BD9-81ED-4DB2-BD59-A6C34878D82A}">
-                    <a16:rowId xmlns:a16="http://schemas.microsoft.com/office/drawing/2014/main" val="619559693"/>
+                    <a16:rowId xmlns:a16="http://schemas.microsoft.com/office/drawing/2014/main" xmlns="" val="619559693"/>
                   </a:ext>
                 </a:extLst>
               </a:tr>
@@ -8270,7 +8363,7 @@
                 </a:tc>
                 <a:extLst>
                   <a:ext uri="{0D108BD9-81ED-4DB2-BD59-A6C34878D82A}">
-                    <a16:rowId xmlns:a16="http://schemas.microsoft.com/office/drawing/2014/main" val="2765945625"/>
+                    <a16:rowId xmlns:a16="http://schemas.microsoft.com/office/drawing/2014/main" xmlns="" val="2765945625"/>
                   </a:ext>
                 </a:extLst>
               </a:tr>
@@ -8323,7 +8416,7 @@
                 </a:tc>
                 <a:extLst>
                   <a:ext uri="{0D108BD9-81ED-4DB2-BD59-A6C34878D82A}">
-                    <a16:rowId xmlns:a16="http://schemas.microsoft.com/office/drawing/2014/main" val="1510558508"/>
+                    <a16:rowId xmlns:a16="http://schemas.microsoft.com/office/drawing/2014/main" xmlns="" val="1510558508"/>
                   </a:ext>
                 </a:extLst>
               </a:tr>
@@ -8372,7 +8465,7 @@
                 </a:tc>
                 <a:extLst>
                   <a:ext uri="{0D108BD9-81ED-4DB2-BD59-A6C34878D82A}">
-                    <a16:rowId xmlns:a16="http://schemas.microsoft.com/office/drawing/2014/main" val="249346103"/>
+                    <a16:rowId xmlns:a16="http://schemas.microsoft.com/office/drawing/2014/main" xmlns="" val="249346103"/>
                   </a:ext>
                 </a:extLst>
               </a:tr>
@@ -8392,8 +8485,23 @@
                           </a:solidFill>
                           <a:latin typeface="Calibri Light"/>
                         </a:rPr>
-                        <a:t>Selenium Server standalone 3.11.0</a:t>
+                        <a:t>Selenium Server standalone </a:t>
                       </a:r>
+                      <a:r>
+                        <a:rPr lang="en-US" sz="1800" b="0" i="0" u="none" strike="noStrike" noProof="0" dirty="0" smtClean="0">
+                          <a:solidFill>
+                            <a:srgbClr val="000000"/>
+                          </a:solidFill>
+                          <a:latin typeface="Calibri Light"/>
+                        </a:rPr>
+                        <a:t>3.11.0, Selenium IDE for Firefox and Chrome v2.9.1.1</a:t>
+                      </a:r>
+                      <a:endParaRPr lang="en-US" sz="1800" b="0" i="0" u="none" strike="noStrike" noProof="0" dirty="0">
+                        <a:solidFill>
+                          <a:srgbClr val="000000"/>
+                        </a:solidFill>
+                        <a:latin typeface="Calibri Light"/>
+                      </a:endParaRPr>
                     </a:p>
                   </a:txBody>
                   <a:tcPr/>
@@ -8416,7 +8524,7 @@
                 </a:tc>
                 <a:extLst>
                   <a:ext uri="{0D108BD9-81ED-4DB2-BD59-A6C34878D82A}">
-                    <a16:rowId xmlns:a16="http://schemas.microsoft.com/office/drawing/2014/main" val="3934883444"/>
+                    <a16:rowId xmlns:a16="http://schemas.microsoft.com/office/drawing/2014/main" xmlns="" val="3934883444"/>
                   </a:ext>
                 </a:extLst>
               </a:tr>
@@ -8429,7 +8537,7 @@
           <p:cNvPr id="5" name="TextBox 4">
             <a:extLst>
               <a:ext uri="{FF2B5EF4-FFF2-40B4-BE49-F238E27FC236}">
-                <a16:creationId xmlns:a16="http://schemas.microsoft.com/office/drawing/2014/main" id="{A051D99F-1A1B-4054-8A59-38DE882C9024}"/>
+                <a16:creationId xmlns:a16="http://schemas.microsoft.com/office/drawing/2014/main" xmlns="" id="{A051D99F-1A1B-4054-8A59-38DE882C9024}"/>
               </a:ext>
             </a:extLst>
           </p:cNvPr>
@@ -8466,7 +8574,7 @@
     </p:spTree>
     <p:extLst>
       <p:ext uri="{BB962C8B-B14F-4D97-AF65-F5344CB8AC3E}">
-        <p14:creationId xmlns:p14="http://schemas.microsoft.com/office/powerpoint/2010/main" val="2993905661"/>
+        <p14:creationId xmlns:p14="http://schemas.microsoft.com/office/powerpoint/2010/main" xmlns="" val="2993905661"/>
       </p:ext>
     </p:extLst>
   </p:cSld>
@@ -8498,7 +8606,7 @@
           <p:cNvPr id="15" name="Table 14">
             <a:extLst>
               <a:ext uri="{FF2B5EF4-FFF2-40B4-BE49-F238E27FC236}">
-                <a16:creationId xmlns:a16="http://schemas.microsoft.com/office/drawing/2014/main" id="{EC3FDC7D-AF06-4167-9012-90B5E8473347}"/>
+                <a16:creationId xmlns:a16="http://schemas.microsoft.com/office/drawing/2014/main" xmlns="" id="{EC3FDC7D-AF06-4167-9012-90B5E8473347}"/>
               </a:ext>
             </a:extLst>
           </p:cNvPr>
@@ -8508,7 +8616,7 @@
           <p:nvPr>
             <p:extLst>
               <p:ext uri="{D42A27DB-BD31-4B8C-83A1-F6EECF244321}">
-                <p14:modId xmlns:p14="http://schemas.microsoft.com/office/powerpoint/2010/main" val="2176370213"/>
+                <p14:modId xmlns:p14="http://schemas.microsoft.com/office/powerpoint/2010/main" xmlns="" val="2176370213"/>
               </p:ext>
             </p:extLst>
           </p:nvPr>
@@ -8527,56 +8635,56 @@
                 <a:gridCol w="571500">
                   <a:extLst>
                     <a:ext uri="{9D8B030D-6E8A-4147-A177-3AD203B41FA5}">
-                      <a16:colId xmlns:a16="http://schemas.microsoft.com/office/drawing/2014/main" val="419583187"/>
+                      <a16:colId xmlns:a16="http://schemas.microsoft.com/office/drawing/2014/main" xmlns="" val="419583187"/>
                     </a:ext>
                   </a:extLst>
                 </a:gridCol>
                 <a:gridCol w="1209673">
                   <a:extLst>
                     <a:ext uri="{9D8B030D-6E8A-4147-A177-3AD203B41FA5}">
-                      <a16:colId xmlns:a16="http://schemas.microsoft.com/office/drawing/2014/main" val="459905626"/>
+                      <a16:colId xmlns:a16="http://schemas.microsoft.com/office/drawing/2014/main" xmlns="" val="459905626"/>
                     </a:ext>
                   </a:extLst>
                 </a:gridCol>
                 <a:gridCol w="1876424">
                   <a:extLst>
                     <a:ext uri="{9D8B030D-6E8A-4147-A177-3AD203B41FA5}">
-                      <a16:colId xmlns:a16="http://schemas.microsoft.com/office/drawing/2014/main" val="1918345446"/>
+                      <a16:colId xmlns:a16="http://schemas.microsoft.com/office/drawing/2014/main" xmlns="" val="1918345446"/>
                     </a:ext>
                   </a:extLst>
                 </a:gridCol>
                 <a:gridCol w="1638299">
                   <a:extLst>
                     <a:ext uri="{9D8B030D-6E8A-4147-A177-3AD203B41FA5}">
-                      <a16:colId xmlns:a16="http://schemas.microsoft.com/office/drawing/2014/main" val="1584057362"/>
+                      <a16:colId xmlns:a16="http://schemas.microsoft.com/office/drawing/2014/main" xmlns="" val="1584057362"/>
                     </a:ext>
                   </a:extLst>
                 </a:gridCol>
                 <a:gridCol w="2238375">
                   <a:extLst>
                     <a:ext uri="{9D8B030D-6E8A-4147-A177-3AD203B41FA5}">
-                      <a16:colId xmlns:a16="http://schemas.microsoft.com/office/drawing/2014/main" val="67860091"/>
+                      <a16:colId xmlns:a16="http://schemas.microsoft.com/office/drawing/2014/main" xmlns="" val="67860091"/>
                     </a:ext>
                   </a:extLst>
                 </a:gridCol>
                 <a:gridCol w="1190625">
                   <a:extLst>
                     <a:ext uri="{9D8B030D-6E8A-4147-A177-3AD203B41FA5}">
-                      <a16:colId xmlns:a16="http://schemas.microsoft.com/office/drawing/2014/main" val="505851377"/>
+                      <a16:colId xmlns:a16="http://schemas.microsoft.com/office/drawing/2014/main" xmlns="" val="505851377"/>
                     </a:ext>
                   </a:extLst>
                 </a:gridCol>
                 <a:gridCol w="2047874">
                   <a:extLst>
                     <a:ext uri="{9D8B030D-6E8A-4147-A177-3AD203B41FA5}">
-                      <a16:colId xmlns:a16="http://schemas.microsoft.com/office/drawing/2014/main" val="1566602730"/>
+                      <a16:colId xmlns:a16="http://schemas.microsoft.com/office/drawing/2014/main" xmlns="" val="1566602730"/>
                     </a:ext>
                   </a:extLst>
                 </a:gridCol>
                 <a:gridCol w="866773">
                   <a:extLst>
                     <a:ext uri="{9D8B030D-6E8A-4147-A177-3AD203B41FA5}">
-                      <a16:colId xmlns:a16="http://schemas.microsoft.com/office/drawing/2014/main" val="1262061868"/>
+                      <a16:colId xmlns:a16="http://schemas.microsoft.com/office/drawing/2014/main" xmlns="" val="1262061868"/>
                     </a:ext>
                   </a:extLst>
                 </a:gridCol>
@@ -8752,7 +8860,7 @@
                 </a:tc>
                 <a:extLst>
                   <a:ext uri="{0D108BD9-81ED-4DB2-BD59-A6C34878D82A}">
-                    <a16:rowId xmlns:a16="http://schemas.microsoft.com/office/drawing/2014/main" val="1738272775"/>
+                    <a16:rowId xmlns:a16="http://schemas.microsoft.com/office/drawing/2014/main" xmlns="" val="1738272775"/>
                   </a:ext>
                 </a:extLst>
               </a:tr>
@@ -8908,7 +9016,7 @@
                 </a:tc>
                 <a:extLst>
                   <a:ext uri="{0D108BD9-81ED-4DB2-BD59-A6C34878D82A}">
-                    <a16:rowId xmlns:a16="http://schemas.microsoft.com/office/drawing/2014/main" val="2145685819"/>
+                    <a16:rowId xmlns:a16="http://schemas.microsoft.com/office/drawing/2014/main" xmlns="" val="2145685819"/>
                   </a:ext>
                 </a:extLst>
               </a:tr>
@@ -9073,7 +9181,7 @@
                 </a:tc>
                 <a:extLst>
                   <a:ext uri="{0D108BD9-81ED-4DB2-BD59-A6C34878D82A}">
-                    <a16:rowId xmlns:a16="http://schemas.microsoft.com/office/drawing/2014/main" val="89677234"/>
+                    <a16:rowId xmlns:a16="http://schemas.microsoft.com/office/drawing/2014/main" xmlns="" val="89677234"/>
                   </a:ext>
                 </a:extLst>
               </a:tr>
@@ -9281,7 +9389,7 @@
                 </a:tc>
                 <a:extLst>
                   <a:ext uri="{0D108BD9-81ED-4DB2-BD59-A6C34878D82A}">
-                    <a16:rowId xmlns:a16="http://schemas.microsoft.com/office/drawing/2014/main" val="2931167660"/>
+                    <a16:rowId xmlns:a16="http://schemas.microsoft.com/office/drawing/2014/main" xmlns="" val="2931167660"/>
                   </a:ext>
                 </a:extLst>
               </a:tr>
@@ -9345,6 +9453,12 @@
                       <a:pPr algn="l">
                         <a:buNone/>
                       </a:pPr>
+                      <a:r>
+                        <a:rPr lang="en-US" sz="1600" dirty="0">
+                          <a:effectLst/>
+                        </a:rPr>
+                        <a:t/>
+                      </a:r>
                       <a:br>
                         <a:rPr lang="en-US" sz="1600" dirty="0">
                           <a:effectLst/>
@@ -9527,7 +9641,7 @@
                 </a:tc>
                 <a:extLst>
                   <a:ext uri="{0D108BD9-81ED-4DB2-BD59-A6C34878D82A}">
-                    <a16:rowId xmlns:a16="http://schemas.microsoft.com/office/drawing/2014/main" val="1146040187"/>
+                    <a16:rowId xmlns:a16="http://schemas.microsoft.com/office/drawing/2014/main" xmlns="" val="1146040187"/>
                   </a:ext>
                 </a:extLst>
               </a:tr>
@@ -9540,7 +9654,7 @@
           <p:cNvPr id="17" name="TextBox 16">
             <a:extLst>
               <a:ext uri="{FF2B5EF4-FFF2-40B4-BE49-F238E27FC236}">
-                <a16:creationId xmlns:a16="http://schemas.microsoft.com/office/drawing/2014/main" id="{5A4D3E10-7F2E-4142-B5FF-A083B3B0E63F}"/>
+                <a16:creationId xmlns:a16="http://schemas.microsoft.com/office/drawing/2014/main" xmlns="" id="{5A4D3E10-7F2E-4142-B5FF-A083B3B0E63F}"/>
               </a:ext>
             </a:extLst>
           </p:cNvPr>
@@ -9577,7 +9691,7 @@
     </p:spTree>
     <p:extLst>
       <p:ext uri="{BB962C8B-B14F-4D97-AF65-F5344CB8AC3E}">
-        <p14:creationId xmlns:p14="http://schemas.microsoft.com/office/powerpoint/2010/main" val="3919231024"/>
+        <p14:creationId xmlns:p14="http://schemas.microsoft.com/office/powerpoint/2010/main" xmlns="" val="3919231024"/>
       </p:ext>
     </p:extLst>
   </p:cSld>
@@ -9609,7 +9723,7 @@
           <p:cNvPr id="3" name="TextBox 2">
             <a:extLst>
               <a:ext uri="{FF2B5EF4-FFF2-40B4-BE49-F238E27FC236}">
-                <a16:creationId xmlns:a16="http://schemas.microsoft.com/office/drawing/2014/main" id="{3D9DD93D-A3F2-4E86-A9B9-14D5FDA18833}"/>
+                <a16:creationId xmlns:a16="http://schemas.microsoft.com/office/drawing/2014/main" xmlns="" id="{3D9DD93D-A3F2-4E86-A9B9-14D5FDA18833}"/>
               </a:ext>
             </a:extLst>
           </p:cNvPr>
@@ -9853,7 +9967,7 @@
           <p:cNvPr id="5" name="TextBox 4">
             <a:extLst>
               <a:ext uri="{FF2B5EF4-FFF2-40B4-BE49-F238E27FC236}">
-                <a16:creationId xmlns:a16="http://schemas.microsoft.com/office/drawing/2014/main" id="{828DDC35-9035-4EAD-9431-2419AB32B73D}"/>
+                <a16:creationId xmlns:a16="http://schemas.microsoft.com/office/drawing/2014/main" xmlns="" id="{828DDC35-9035-4EAD-9431-2419AB32B73D}"/>
               </a:ext>
             </a:extLst>
           </p:cNvPr>
@@ -9899,7 +10013,7 @@
     </p:spTree>
     <p:extLst>
       <p:ext uri="{BB962C8B-B14F-4D97-AF65-F5344CB8AC3E}">
-        <p14:creationId xmlns:p14="http://schemas.microsoft.com/office/powerpoint/2010/main" val="2143294102"/>
+        <p14:creationId xmlns:p14="http://schemas.microsoft.com/office/powerpoint/2010/main" xmlns="" val="2143294102"/>
       </p:ext>
     </p:extLst>
   </p:cSld>
@@ -9931,7 +10045,7 @@
           <p:cNvPr id="2" name="Title 1">
             <a:extLst>
               <a:ext uri="{FF2B5EF4-FFF2-40B4-BE49-F238E27FC236}">
-                <a16:creationId xmlns:a16="http://schemas.microsoft.com/office/drawing/2014/main" id="{4D68E91C-0BE2-4CF0-A70E-B2C16DBFC99A}"/>
+                <a16:creationId xmlns:a16="http://schemas.microsoft.com/office/drawing/2014/main" xmlns="" id="{4D68E91C-0BE2-4CF0-A70E-B2C16DBFC99A}"/>
               </a:ext>
             </a:extLst>
           </p:cNvPr>
@@ -9966,7 +10080,7 @@
           <p:cNvPr id="3" name="Content Placeholder 2">
             <a:extLst>
               <a:ext uri="{FF2B5EF4-FFF2-40B4-BE49-F238E27FC236}">
-                <a16:creationId xmlns:a16="http://schemas.microsoft.com/office/drawing/2014/main" id="{9C6FB6B3-FD07-4ED7-B39A-F57836648072}"/>
+                <a16:creationId xmlns:a16="http://schemas.microsoft.com/office/drawing/2014/main" xmlns="" id="{9C6FB6B3-FD07-4ED7-B39A-F57836648072}"/>
               </a:ext>
             </a:extLst>
           </p:cNvPr>
@@ -9994,9 +10108,6 @@
               </a:rPr>
               <a:t>Test automation tools are used to control the execution of tests and then comparing actual outcomes to the predicted outcomes</a:t>
             </a:r>
-            <a:endParaRPr lang="en-US">
-              <a:cs typeface="Calibri Light"/>
-            </a:endParaRPr>
           </a:p>
           <a:p>
             <a:pPr>
@@ -10019,7 +10130,31 @@
               <a:rPr lang="en-US" dirty="0">
                 <a:cs typeface="Calibri Light"/>
               </a:rPr>
-              <a:t> This project focuses on automating Kumon.com website on the Firefox and Chrome browser </a:t>
+              <a:t> This project focuses on automating </a:t>
+            </a:r>
+            <a:r>
+              <a:rPr lang="en-US" dirty="0" smtClean="0">
+                <a:cs typeface="Calibri Light"/>
+              </a:rPr>
+              <a:t>Kumon.com website</a:t>
+            </a:r>
+            <a:r>
+              <a:rPr lang="en-US" dirty="0">
+                <a:cs typeface="Calibri Light"/>
+              </a:rPr>
+              <a:t> </a:t>
+            </a:r>
+            <a:r>
+              <a:rPr lang="en-US" dirty="0" smtClean="0">
+                <a:cs typeface="Calibri Light"/>
+              </a:rPr>
+              <a:t> testing on </a:t>
+            </a:r>
+            <a:r>
+              <a:rPr lang="en-US" dirty="0">
+                <a:cs typeface="Calibri Light"/>
+              </a:rPr>
+              <a:t>the Firefox and Chrome browser </a:t>
             </a:r>
           </a:p>
           <a:p>
@@ -10031,8 +10166,17 @@
               <a:rPr lang="en-US" dirty="0">
                 <a:cs typeface="Calibri Light"/>
               </a:rPr>
-              <a:t>Test scripts for the test cases were implemented and run  on a Windows10 platform.</a:t>
-            </a:r>
+              <a:t>Test scripts for the test cases were implemented and run  on a Windows10 </a:t>
+            </a:r>
+            <a:r>
+              <a:rPr lang="en-US" dirty="0" smtClean="0">
+                <a:cs typeface="Calibri Light"/>
+              </a:rPr>
+              <a:t>platform using JDK, Selenium IDE and Firebug.</a:t>
+            </a:r>
+            <a:endParaRPr lang="en-US" dirty="0">
+              <a:cs typeface="Calibri Light"/>
+            </a:endParaRPr>
           </a:p>
           <a:p>
             <a:pPr>
@@ -10064,7 +10208,7 @@
           <p:cNvPr id="4" name="TextBox 3">
             <a:extLst>
               <a:ext uri="{FF2B5EF4-FFF2-40B4-BE49-F238E27FC236}">
-                <a16:creationId xmlns:a16="http://schemas.microsoft.com/office/drawing/2014/main" id="{184AD143-2D1E-49C8-850D-17B3728D547C}"/>
+                <a16:creationId xmlns:a16="http://schemas.microsoft.com/office/drawing/2014/main" xmlns="" id="{184AD143-2D1E-49C8-850D-17B3728D547C}"/>
               </a:ext>
             </a:extLst>
           </p:cNvPr>
@@ -10110,7 +10254,7 @@
     </p:spTree>
     <p:extLst>
       <p:ext uri="{BB962C8B-B14F-4D97-AF65-F5344CB8AC3E}">
-        <p14:creationId xmlns:p14="http://schemas.microsoft.com/office/powerpoint/2010/main" val="4205068781"/>
+        <p14:creationId xmlns:p14="http://schemas.microsoft.com/office/powerpoint/2010/main" xmlns="" val="4205068781"/>
       </p:ext>
     </p:extLst>
   </p:cSld>
@@ -10142,7 +10286,7 @@
           <p:cNvPr id="2" name="Title 1">
             <a:extLst>
               <a:ext uri="{FF2B5EF4-FFF2-40B4-BE49-F238E27FC236}">
-                <a16:creationId xmlns:a16="http://schemas.microsoft.com/office/drawing/2014/main" id="{4D68E91C-0BE2-4CF0-A70E-B2C16DBFC99A}"/>
+                <a16:creationId xmlns:a16="http://schemas.microsoft.com/office/drawing/2014/main" xmlns="" id="{4D68E91C-0BE2-4CF0-A70E-B2C16DBFC99A}"/>
               </a:ext>
             </a:extLst>
           </p:cNvPr>
@@ -10177,7 +10321,7 @@
           <p:cNvPr id="3" name="Content Placeholder 2">
             <a:extLst>
               <a:ext uri="{FF2B5EF4-FFF2-40B4-BE49-F238E27FC236}">
-                <a16:creationId xmlns:a16="http://schemas.microsoft.com/office/drawing/2014/main" id="{9C6FB6B3-FD07-4ED7-B39A-F57836648072}"/>
+                <a16:creationId xmlns:a16="http://schemas.microsoft.com/office/drawing/2014/main" xmlns="" id="{9C6FB6B3-FD07-4ED7-B39A-F57836648072}"/>
               </a:ext>
             </a:extLst>
           </p:cNvPr>
@@ -10190,8 +10334,8 @@
         </p:nvSpPr>
         <p:spPr>
           <a:xfrm>
-            <a:off x="777298" y="1810397"/>
-            <a:ext cx="5937310" cy="4959505"/>
+            <a:off x="777298" y="1810398"/>
+            <a:ext cx="5937310" cy="4627348"/>
           </a:xfrm>
         </p:spPr>
         <p:txBody>
@@ -10222,7 +10366,7 @@
               </a:rPr>
               <a:t>rogramming language to build back-end of web applications and build robust test automation framework</a:t>
             </a:r>
-            <a:endParaRPr lang="en-US"/>
+            <a:endParaRPr lang="en-US" dirty="0"/>
           </a:p>
           <a:p>
             <a:pPr>
@@ -10245,7 +10389,25 @@
                 </a:solidFill>
                 <a:cs typeface="Calibri Light"/>
               </a:rPr>
-              <a:t> Using Maven for build, execution and dependency purpose. Integrating the TestNG dependency in POM.xml file and running this POM.xml file using Jenkins.</a:t>
+              <a:t> Using Maven for </a:t>
+            </a:r>
+            <a:r>
+              <a:rPr lang="en-US" dirty="0" smtClean="0">
+                <a:solidFill>
+                  <a:srgbClr val="262626"/>
+                </a:solidFill>
+                <a:cs typeface="Calibri Light"/>
+              </a:rPr>
+              <a:t>specifying dependencies, build, and execution. </a:t>
+            </a:r>
+            <a:r>
+              <a:rPr lang="en-US" dirty="0">
+                <a:solidFill>
+                  <a:srgbClr val="262626"/>
+                </a:solidFill>
+                <a:cs typeface="Calibri Light"/>
+              </a:rPr>
+              <a:t>Integrating the TestNG dependency in POM.xml file and running this POM.xml file using Jenkins.</a:t>
             </a:r>
           </a:p>
           <a:p>
@@ -10272,13 +10434,22 @@
               <a:t>: It is a </a:t>
             </a:r>
             <a:r>
-              <a:rPr lang="en-US" dirty="0" err="1">
+              <a:rPr lang="en-US" dirty="0">
                 <a:solidFill>
                   <a:srgbClr val="262626"/>
                 </a:solidFill>
                 <a:cs typeface="Calibri Light"/>
               </a:rPr>
-              <a:t>firefox</a:t>
+              <a:t>F</a:t>
+            </a:r>
+            <a:r>
+              <a:rPr lang="en-US" dirty="0" smtClean="0">
+                <a:solidFill>
+                  <a:srgbClr val="262626"/>
+                </a:solidFill>
+                <a:cs typeface="Calibri Light"/>
+              </a:rPr>
+              <a:t>irefox</a:t>
             </a:r>
             <a:r>
               <a:rPr lang="en-US" dirty="0">
@@ -10287,7 +10458,25 @@
                 </a:solidFill>
                 <a:cs typeface="Calibri Light"/>
               </a:rPr>
-              <a:t> extension that can automate the browser through a record and playback feature. </a:t>
+              <a:t> extension that can automate the </a:t>
+            </a:r>
+            <a:r>
+              <a:rPr lang="en-US" dirty="0" smtClean="0">
+                <a:solidFill>
+                  <a:srgbClr val="262626"/>
+                </a:solidFill>
+                <a:cs typeface="Calibri Light"/>
+              </a:rPr>
+              <a:t>browser test command through </a:t>
+            </a:r>
+            <a:r>
+              <a:rPr lang="en-US" dirty="0">
+                <a:solidFill>
+                  <a:srgbClr val="262626"/>
+                </a:solidFill>
+                <a:cs typeface="Calibri Light"/>
+              </a:rPr>
+              <a:t>record and playback feature. </a:t>
             </a:r>
             <a:endParaRPr lang="en-US" dirty="0">
               <a:solidFill>
@@ -10308,7 +10497,25 @@
                 </a:solidFill>
                 <a:cs typeface="Calibri Light"/>
               </a:rPr>
-              <a:t> Selenium Grid: T</a:t>
+              <a:t> Selenium Grid: </a:t>
+            </a:r>
+            <a:r>
+              <a:rPr lang="en-US" dirty="0" smtClean="0">
+                <a:solidFill>
+                  <a:srgbClr val="262626"/>
+                </a:solidFill>
+                <a:cs typeface="Calibri Light"/>
+              </a:rPr>
+              <a:t>T</a:t>
+            </a:r>
+            <a:r>
+              <a:rPr lang="en-US" dirty="0" smtClean="0">
+                <a:solidFill>
+                  <a:srgbClr val="262626"/>
+                </a:solidFill>
+                <a:cs typeface="Calibri Light"/>
+              </a:rPr>
+              <a:t>o </a:t>
             </a:r>
             <a:r>
               <a:rPr lang="en-US" dirty="0">
@@ -10317,9 +10524,27 @@
                 </a:solidFill>
                 <a:cs typeface="Calibri Light"/>
               </a:rPr>
-              <a:t>o run parallel tests across different machines and different browsers all at the same time. </a:t>
-            </a:r>
-            <a:endParaRPr lang="en-US">
+              <a:t>run </a:t>
+            </a:r>
+            <a:r>
+              <a:rPr lang="en-US" dirty="0" smtClean="0">
+                <a:solidFill>
+                  <a:srgbClr val="262626"/>
+                </a:solidFill>
+                <a:cs typeface="Calibri Light"/>
+              </a:rPr>
+              <a:t>parallel </a:t>
+            </a:r>
+            <a:r>
+              <a:rPr lang="en-US" dirty="0">
+                <a:solidFill>
+                  <a:srgbClr val="262626"/>
+                </a:solidFill>
+                <a:cs typeface="Calibri Light"/>
+              </a:rPr>
+              <a:t>tests across different machines and different browsers all at the same time. </a:t>
+            </a:r>
+            <a:endParaRPr lang="en-US" dirty="0">
               <a:solidFill>
                 <a:schemeClr val="tx1"/>
               </a:solidFill>
@@ -10382,7 +10607,7 @@
           <p:cNvPr id="4" name="TextBox 3">
             <a:extLst>
               <a:ext uri="{FF2B5EF4-FFF2-40B4-BE49-F238E27FC236}">
-                <a16:creationId xmlns:a16="http://schemas.microsoft.com/office/drawing/2014/main" id="{184AD143-2D1E-49C8-850D-17B3728D547C}"/>
+                <a16:creationId xmlns:a16="http://schemas.microsoft.com/office/drawing/2014/main" xmlns="" id="{184AD143-2D1E-49C8-850D-17B3728D547C}"/>
               </a:ext>
             </a:extLst>
           </p:cNvPr>
@@ -10430,7 +10655,7 @@
           <p:cNvPr id="5" name="Picture 5" descr="A screenshot of a cell phone&#10;&#10;Description generated with very high confidence">
             <a:extLst>
               <a:ext uri="{FF2B5EF4-FFF2-40B4-BE49-F238E27FC236}">
-                <a16:creationId xmlns:a16="http://schemas.microsoft.com/office/drawing/2014/main" id="{E50C1655-78E4-4FA4-A46E-D02EE384FF1B}"/>
+                <a16:creationId xmlns:a16="http://schemas.microsoft.com/office/drawing/2014/main" xmlns="" id="{E50C1655-78E4-4FA4-A46E-D02EE384FF1B}"/>
               </a:ext>
             </a:extLst>
           </p:cNvPr>
@@ -10458,7 +10683,7 @@
     </p:spTree>
     <p:extLst>
       <p:ext uri="{BB962C8B-B14F-4D97-AF65-F5344CB8AC3E}">
-        <p14:creationId xmlns:p14="http://schemas.microsoft.com/office/powerpoint/2010/main" val="1282103907"/>
+        <p14:creationId xmlns:p14="http://schemas.microsoft.com/office/powerpoint/2010/main" xmlns="" val="1282103907"/>
       </p:ext>
     </p:extLst>
   </p:cSld>
@@ -10490,7 +10715,7 @@
           <p:cNvPr id="2" name="Title 1">
             <a:extLst>
               <a:ext uri="{FF2B5EF4-FFF2-40B4-BE49-F238E27FC236}">
-                <a16:creationId xmlns:a16="http://schemas.microsoft.com/office/drawing/2014/main" id="{4D68E91C-0BE2-4CF0-A70E-B2C16DBFC99A}"/>
+                <a16:creationId xmlns:a16="http://schemas.microsoft.com/office/drawing/2014/main" xmlns="" id="{4D68E91C-0BE2-4CF0-A70E-B2C16DBFC99A}"/>
               </a:ext>
             </a:extLst>
           </p:cNvPr>
@@ -10525,7 +10750,7 @@
           <p:cNvPr id="3" name="Content Placeholder 2">
             <a:extLst>
               <a:ext uri="{FF2B5EF4-FFF2-40B4-BE49-F238E27FC236}">
-                <a16:creationId xmlns:a16="http://schemas.microsoft.com/office/drawing/2014/main" id="{9C6FB6B3-FD07-4ED7-B39A-F57836648072}"/>
+                <a16:creationId xmlns:a16="http://schemas.microsoft.com/office/drawing/2014/main" xmlns="" id="{9C6FB6B3-FD07-4ED7-B39A-F57836648072}"/>
               </a:ext>
             </a:extLst>
           </p:cNvPr>
@@ -10578,7 +10803,7 @@
           <p:cNvPr id="4" name="TextBox 3">
             <a:extLst>
               <a:ext uri="{FF2B5EF4-FFF2-40B4-BE49-F238E27FC236}">
-                <a16:creationId xmlns:a16="http://schemas.microsoft.com/office/drawing/2014/main" id="{184AD143-2D1E-49C8-850D-17B3728D547C}"/>
+                <a16:creationId xmlns:a16="http://schemas.microsoft.com/office/drawing/2014/main" xmlns="" id="{184AD143-2D1E-49C8-850D-17B3728D547C}"/>
               </a:ext>
             </a:extLst>
           </p:cNvPr>
@@ -10626,7 +10851,7 @@
           <p:cNvPr id="7" name="TextBox 6">
             <a:extLst>
               <a:ext uri="{FF2B5EF4-FFF2-40B4-BE49-F238E27FC236}">
-                <a16:creationId xmlns:a16="http://schemas.microsoft.com/office/drawing/2014/main" id="{0592C43C-A320-4F58-92F3-2B9BFC55B4C1}"/>
+                <a16:creationId xmlns:a16="http://schemas.microsoft.com/office/drawing/2014/main" xmlns="" id="{0592C43C-A320-4F58-92F3-2B9BFC55B4C1}"/>
               </a:ext>
             </a:extLst>
           </p:cNvPr>
@@ -10683,7 +10908,7 @@
               </a:rPr>
               <a:t> </a:t>
             </a:r>
-            <a:endParaRPr lang="en-US"/>
+            <a:endParaRPr lang="en-US" dirty="0"/>
           </a:p>
           <a:p>
             <a:pPr marL="342900" indent="-342900">
@@ -10712,7 +10937,21 @@
                 <a:latin typeface="Calibri"/>
                 <a:cs typeface="Segoe UI"/>
               </a:rPr>
-              <a:t> Junit is a unit testing framework or the Java programming language. </a:t>
+              <a:t> Junit is a unit testing framework </a:t>
+            </a:r>
+            <a:r>
+              <a:rPr lang="en-US" sz="2400" dirty="0" smtClean="0">
+                <a:latin typeface="Calibri"/>
+                <a:cs typeface="Segoe UI"/>
+              </a:rPr>
+              <a:t>for </a:t>
+            </a:r>
+            <a:r>
+              <a:rPr lang="en-US" sz="2400" dirty="0">
+                <a:latin typeface="Calibri"/>
+                <a:cs typeface="Segoe UI"/>
+              </a:rPr>
+              <a:t>the Java programming language. </a:t>
             </a:r>
             <a:r>
               <a:rPr lang="en-US" sz="2400" dirty="0">
@@ -10756,7 +10995,14 @@
                 <a:latin typeface="Calibri"/>
                 <a:cs typeface="Segoe UI"/>
               </a:rPr>
-              <a:t> Jenkins is an open source tool written in Java. It provides continuous delivery and continuous integration service for software development.</a:t>
+              <a:t> Jenkins is an open source tool written in Java. It provides continuous delivery and continuous integration service for software </a:t>
+            </a:r>
+            <a:r>
+              <a:rPr lang="en-US" sz="2400" dirty="0" smtClean="0">
+                <a:latin typeface="Calibri"/>
+                <a:cs typeface="Segoe UI"/>
+              </a:rPr>
+              <a:t>development and deployment.</a:t>
             </a:r>
             <a:r>
               <a:rPr lang="en-US" sz="2400" dirty="0">
@@ -10825,7 +11071,7 @@
     </p:spTree>
     <p:extLst>
       <p:ext uri="{BB962C8B-B14F-4D97-AF65-F5344CB8AC3E}">
-        <p14:creationId xmlns:p14="http://schemas.microsoft.com/office/powerpoint/2010/main" val="2731068291"/>
+        <p14:creationId xmlns:p14="http://schemas.microsoft.com/office/powerpoint/2010/main" xmlns="" val="2731068291"/>
       </p:ext>
     </p:extLst>
   </p:cSld>
@@ -10857,7 +11103,7 @@
           <p:cNvPr id="2" name="Title 1">
             <a:extLst>
               <a:ext uri="{FF2B5EF4-FFF2-40B4-BE49-F238E27FC236}">
-                <a16:creationId xmlns:a16="http://schemas.microsoft.com/office/drawing/2014/main" id="{4D68E91C-0BE2-4CF0-A70E-B2C16DBFC99A}"/>
+                <a16:creationId xmlns:a16="http://schemas.microsoft.com/office/drawing/2014/main" xmlns="" id="{4D68E91C-0BE2-4CF0-A70E-B2C16DBFC99A}"/>
               </a:ext>
             </a:extLst>
           </p:cNvPr>
@@ -10892,7 +11138,7 @@
           <p:cNvPr id="3" name="Content Placeholder 2">
             <a:extLst>
               <a:ext uri="{FF2B5EF4-FFF2-40B4-BE49-F238E27FC236}">
-                <a16:creationId xmlns:a16="http://schemas.microsoft.com/office/drawing/2014/main" id="{9C6FB6B3-FD07-4ED7-B39A-F57836648072}"/>
+                <a16:creationId xmlns:a16="http://schemas.microsoft.com/office/drawing/2014/main" xmlns="" id="{9C6FB6B3-FD07-4ED7-B39A-F57836648072}"/>
               </a:ext>
             </a:extLst>
           </p:cNvPr>
@@ -11069,7 +11315,31 @@
               <a:rPr lang="en-US" dirty="0">
                 <a:cs typeface="Calibri Light"/>
               </a:rPr>
-              <a:t>It is an integrated development environment( IDE) for Java. It has a plugin that includes a Selenium server. In this project, we are using NetBeans to run our Selenium scripts</a:t>
+              <a:t>It is an integrated development environment( IDE) for Java. </a:t>
+            </a:r>
+            <a:r>
+              <a:rPr lang="en-US" dirty="0" smtClean="0">
+                <a:cs typeface="Calibri Light"/>
+              </a:rPr>
+              <a:t>The dependencies for Selenium server are added in project’s </a:t>
+            </a:r>
+            <a:r>
+              <a:rPr lang="en-US" dirty="0" err="1" smtClean="0">
+                <a:cs typeface="Calibri Light"/>
+              </a:rPr>
+              <a:t>pom</a:t>
+            </a:r>
+            <a:r>
+              <a:rPr lang="en-US" dirty="0" smtClean="0">
+                <a:cs typeface="Calibri Light"/>
+              </a:rPr>
+              <a:t> file.</a:t>
+            </a:r>
+            <a:r>
+              <a:rPr lang="en-US" dirty="0">
+                <a:cs typeface="Calibri Light"/>
+              </a:rPr>
+              <a:t> In this project, we are using NetBeans to run our Selenium scripts</a:t>
             </a:r>
           </a:p>
           <a:p>
@@ -11110,7 +11380,7 @@
               </a:rPr>
               <a:t> It is a jar bundle that contains both API and selenium server. Selenium server is needed to run WebDriver tests in remote machines through Selenium Grid.</a:t>
             </a:r>
-            <a:endParaRPr lang="en-US">
+            <a:endParaRPr lang="en-US" dirty="0">
               <a:solidFill>
                 <a:schemeClr val="tx1"/>
               </a:solidFill>
@@ -11129,7 +11399,7 @@
           <p:cNvPr id="4" name="TextBox 3">
             <a:extLst>
               <a:ext uri="{FF2B5EF4-FFF2-40B4-BE49-F238E27FC236}">
-                <a16:creationId xmlns:a16="http://schemas.microsoft.com/office/drawing/2014/main" id="{184AD143-2D1E-49C8-850D-17B3728D547C}"/>
+                <a16:creationId xmlns:a16="http://schemas.microsoft.com/office/drawing/2014/main" xmlns="" id="{184AD143-2D1E-49C8-850D-17B3728D547C}"/>
               </a:ext>
             </a:extLst>
           </p:cNvPr>
@@ -11175,7 +11445,7 @@
     </p:spTree>
     <p:extLst>
       <p:ext uri="{BB962C8B-B14F-4D97-AF65-F5344CB8AC3E}">
-        <p14:creationId xmlns:p14="http://schemas.microsoft.com/office/powerpoint/2010/main" val="3485085048"/>
+        <p14:creationId xmlns:p14="http://schemas.microsoft.com/office/powerpoint/2010/main" xmlns="" val="3485085048"/>
       </p:ext>
     </p:extLst>
   </p:cSld>
@@ -11207,7 +11477,7 @@
           <p:cNvPr id="2" name="Title 1">
             <a:extLst>
               <a:ext uri="{FF2B5EF4-FFF2-40B4-BE49-F238E27FC236}">
-                <a16:creationId xmlns:a16="http://schemas.microsoft.com/office/drawing/2014/main" id="{5B29E686-F983-400A-B628-FBE3D0EB7476}"/>
+                <a16:creationId xmlns:a16="http://schemas.microsoft.com/office/drawing/2014/main" xmlns="" id="{5B29E686-F983-400A-B628-FBE3D0EB7476}"/>
               </a:ext>
             </a:extLst>
           </p:cNvPr>
@@ -11242,7 +11512,7 @@
           <p:cNvPr id="4" name="Picture 4" descr="A screenshot of a cell phone&#10;&#10;Description generated with very high confidence">
             <a:extLst>
               <a:ext uri="{FF2B5EF4-FFF2-40B4-BE49-F238E27FC236}">
-                <a16:creationId xmlns:a16="http://schemas.microsoft.com/office/drawing/2014/main" id="{0A058FB7-7CC5-48D5-A1CD-B571A1B4A126}"/>
+                <a16:creationId xmlns:a16="http://schemas.microsoft.com/office/drawing/2014/main" xmlns="" id="{0A058FB7-7CC5-48D5-A1CD-B571A1B4A126}"/>
               </a:ext>
             </a:extLst>
           </p:cNvPr>
@@ -11272,7 +11542,7 @@
           <p:cNvPr id="6" name="TextBox 5">
             <a:extLst>
               <a:ext uri="{FF2B5EF4-FFF2-40B4-BE49-F238E27FC236}">
-                <a16:creationId xmlns:a16="http://schemas.microsoft.com/office/drawing/2014/main" id="{137E83D5-5A84-419A-8301-E1CEBFE8E020}"/>
+                <a16:creationId xmlns:a16="http://schemas.microsoft.com/office/drawing/2014/main" xmlns="" id="{137E83D5-5A84-419A-8301-E1CEBFE8E020}"/>
               </a:ext>
             </a:extLst>
           </p:cNvPr>
@@ -11398,7 +11668,7 @@
     </p:spTree>
     <p:extLst>
       <p:ext uri="{BB962C8B-B14F-4D97-AF65-F5344CB8AC3E}">
-        <p14:creationId xmlns:p14="http://schemas.microsoft.com/office/powerpoint/2010/main" val="623748216"/>
+        <p14:creationId xmlns:p14="http://schemas.microsoft.com/office/powerpoint/2010/main" xmlns="" val="623748216"/>
       </p:ext>
     </p:extLst>
   </p:cSld>
@@ -11430,7 +11700,7 @@
           <p:cNvPr id="2" name="Title 1">
             <a:extLst>
               <a:ext uri="{FF2B5EF4-FFF2-40B4-BE49-F238E27FC236}">
-                <a16:creationId xmlns:a16="http://schemas.microsoft.com/office/drawing/2014/main" id="{5B29E686-F983-400A-B628-FBE3D0EB7476}"/>
+                <a16:creationId xmlns:a16="http://schemas.microsoft.com/office/drawing/2014/main" xmlns="" id="{5B29E686-F983-400A-B628-FBE3D0EB7476}"/>
               </a:ext>
             </a:extLst>
           </p:cNvPr>
@@ -11471,7 +11741,7 @@
           <p:cNvPr id="6" name="TextBox 5">
             <a:extLst>
               <a:ext uri="{FF2B5EF4-FFF2-40B4-BE49-F238E27FC236}">
-                <a16:creationId xmlns:a16="http://schemas.microsoft.com/office/drawing/2014/main" id="{137E83D5-5A84-419A-8301-E1CEBFE8E020}"/>
+                <a16:creationId xmlns:a16="http://schemas.microsoft.com/office/drawing/2014/main" xmlns="" id="{137E83D5-5A84-419A-8301-E1CEBFE8E020}"/>
               </a:ext>
             </a:extLst>
           </p:cNvPr>
@@ -11501,12 +11771,22 @@
                 <a:latin typeface="Calibri"/>
                 <a:cs typeface="Calibri"/>
               </a:rPr>
-              <a:t>Some of the main goal the application in this project are:</a:t>
-            </a:r>
-            <a:endParaRPr lang="en-US" sz="2400">
-              <a:latin typeface="Calibri"/>
-              <a:cs typeface="Calibri"/>
-            </a:endParaRPr>
+              <a:t>Some of the main </a:t>
+            </a:r>
+            <a:r>
+              <a:rPr lang="en-US" sz="2400" dirty="0" smtClean="0">
+                <a:latin typeface="Calibri"/>
+                <a:cs typeface="Calibri"/>
+              </a:rPr>
+              <a:t>goals the</a:t>
+            </a:r>
+            <a:r>
+              <a:rPr lang="en-US" sz="2400" dirty="0">
+                <a:latin typeface="Calibri"/>
+                <a:cs typeface="Calibri"/>
+              </a:rPr>
+              <a:t> application in this project are:</a:t>
+            </a:r>
           </a:p>
           <a:p>
             <a:r>
@@ -11536,10 +11816,6 @@
               </a:rPr>
               <a:t>Example: To ensure proper navigation between web pages.</a:t>
             </a:r>
-            <a:endParaRPr lang="en-US" sz="2400">
-              <a:latin typeface="Calibri"/>
-              <a:cs typeface="Calibri"/>
-            </a:endParaRPr>
           </a:p>
           <a:p>
             <a:pPr marL="285750" indent="-285750">
@@ -11575,10 +11851,6 @@
               </a:rPr>
               <a:t>   Example:</a:t>
             </a:r>
-            <a:endParaRPr lang="en-US" sz="2400">
-              <a:latin typeface="Calibri"/>
-              <a:cs typeface="Calibri"/>
-            </a:endParaRPr>
           </a:p>
           <a:p>
             <a:pPr marL="285750" indent="-285750">
@@ -11592,10 +11864,6 @@
               </a:rPr>
               <a:t>To ensure browser compatibility.</a:t>
             </a:r>
-            <a:endParaRPr lang="en-US" sz="2400">
-              <a:latin typeface="Calibri"/>
-              <a:cs typeface="Calibri"/>
-            </a:endParaRPr>
           </a:p>
           <a:p>
             <a:pPr marL="285750" indent="-285750">
@@ -11609,10 +11877,6 @@
               </a:rPr>
               <a:t>To make sure that mandatory fields are given data in forms.</a:t>
             </a:r>
-            <a:endParaRPr lang="en-US" sz="2400">
-              <a:latin typeface="Calibri"/>
-              <a:cs typeface="Calibri"/>
-            </a:endParaRPr>
           </a:p>
           <a:p>
             <a:pPr marL="285750" indent="-285750">
@@ -11626,10 +11890,6 @@
               </a:rPr>
               <a:t>To check for time outs </a:t>
             </a:r>
-            <a:endParaRPr lang="en-US" sz="2400">
-              <a:latin typeface="Calibri"/>
-              <a:cs typeface="Calibri"/>
-            </a:endParaRPr>
           </a:p>
           <a:p>
             <a:pPr marL="285750" indent="-285750">
@@ -11643,10 +11903,6 @@
               </a:rPr>
               <a:t>To be sure that proper control is used to feed data. For example, when requesting gender information, use an option button</a:t>
             </a:r>
-            <a:endParaRPr lang="en-US" sz="2400">
-              <a:latin typeface="Calibri"/>
-              <a:cs typeface="Calibri"/>
-            </a:endParaRPr>
           </a:p>
           <a:p>
             <a:endParaRPr lang="en-US" sz="2400" dirty="0">
@@ -11659,7 +11915,7 @@
     </p:spTree>
     <p:extLst>
       <p:ext uri="{BB962C8B-B14F-4D97-AF65-F5344CB8AC3E}">
-        <p14:creationId xmlns:p14="http://schemas.microsoft.com/office/powerpoint/2010/main" val="1483522342"/>
+        <p14:creationId xmlns:p14="http://schemas.microsoft.com/office/powerpoint/2010/main" xmlns="" val="1483522342"/>
       </p:ext>
     </p:extLst>
   </p:cSld>
@@ -11691,7 +11947,7 @@
           <p:cNvPr id="2" name="Title 1">
             <a:extLst>
               <a:ext uri="{FF2B5EF4-FFF2-40B4-BE49-F238E27FC236}">
-                <a16:creationId xmlns:a16="http://schemas.microsoft.com/office/drawing/2014/main" id="{2C245102-2B7E-4C94-9762-5DB5C55EA563}"/>
+                <a16:creationId xmlns:a16="http://schemas.microsoft.com/office/drawing/2014/main" xmlns="" id="{2C245102-2B7E-4C94-9762-5DB5C55EA563}"/>
               </a:ext>
             </a:extLst>
           </p:cNvPr>
@@ -11716,7 +11972,7 @@
           <p:cNvPr id="4" name="TextBox 3">
             <a:extLst>
               <a:ext uri="{FF2B5EF4-FFF2-40B4-BE49-F238E27FC236}">
-                <a16:creationId xmlns:a16="http://schemas.microsoft.com/office/drawing/2014/main" id="{4B579619-C7CD-4408-928A-EE5992F60990}"/>
+                <a16:creationId xmlns:a16="http://schemas.microsoft.com/office/drawing/2014/main" xmlns="" id="{4B579619-C7CD-4408-928A-EE5992F60990}"/>
               </a:ext>
             </a:extLst>
           </p:cNvPr>
@@ -11756,7 +12012,7 @@
           <p:cNvPr id="5" name="TextBox 4">
             <a:extLst>
               <a:ext uri="{FF2B5EF4-FFF2-40B4-BE49-F238E27FC236}">
-                <a16:creationId xmlns:a16="http://schemas.microsoft.com/office/drawing/2014/main" id="{7F23683D-ADD9-4DF8-9110-DB2C46B8B927}"/>
+                <a16:creationId xmlns:a16="http://schemas.microsoft.com/office/drawing/2014/main" xmlns="" id="{7F23683D-ADD9-4DF8-9110-DB2C46B8B927}"/>
               </a:ext>
             </a:extLst>
           </p:cNvPr>
@@ -11933,10 +12189,6 @@
               </a:rPr>
               <a:t>Test cases should ensure that boundary conditions are tested. ​</a:t>
             </a:r>
-            <a:endParaRPr lang="en-US" sz="2400">
-              <a:latin typeface="Calibri"/>
-              <a:cs typeface="Calibri"/>
-            </a:endParaRPr>
           </a:p>
           <a:p>
             <a:pPr>
@@ -11966,7 +12218,7 @@
           <p:cNvPr id="7" name="Title 1">
             <a:extLst>
               <a:ext uri="{FF2B5EF4-FFF2-40B4-BE49-F238E27FC236}">
-                <a16:creationId xmlns:a16="http://schemas.microsoft.com/office/drawing/2014/main" id="{6761CF52-B3C6-4906-91D4-FABE55507B1A}"/>
+                <a16:creationId xmlns:a16="http://schemas.microsoft.com/office/drawing/2014/main" xmlns="" id="{6761CF52-B3C6-4906-91D4-FABE55507B1A}"/>
               </a:ext>
             </a:extLst>
           </p:cNvPr>
@@ -12024,7 +12276,7 @@
     </p:spTree>
     <p:extLst>
       <p:ext uri="{BB962C8B-B14F-4D97-AF65-F5344CB8AC3E}">
-        <p14:creationId xmlns:p14="http://schemas.microsoft.com/office/powerpoint/2010/main" val="2808903085"/>
+        <p14:creationId xmlns:p14="http://schemas.microsoft.com/office/powerpoint/2010/main" xmlns="" val="2808903085"/>
       </p:ext>
     </p:extLst>
   </p:cSld>
@@ -12077,7 +12329,7 @@
     </a:clrScheme>
     <a:fontScheme name="Metropolitan">
       <a:majorFont>
-        <a:latin typeface="Calibri Light" panose="020F0302020204030204"/>
+        <a:latin typeface="Calibri Light"/>
         <a:ea typeface=""/>
         <a:cs typeface=""/>
         <a:font script="Jpan" typeface="ＭＳ Ｐゴシック"/>
@@ -12112,7 +12364,7 @@
         <a:font script="Geor" typeface="Sylfaen"/>
       </a:majorFont>
       <a:minorFont>
-        <a:latin typeface="Calibri Light" panose="020F0302020204030204"/>
+        <a:latin typeface="Calibri Light"/>
         <a:ea typeface=""/>
         <a:cs typeface=""/>
         <a:font script="Jpan" typeface="ＭＳ Ｐゴシック"/>
@@ -12265,7 +12517,7 @@
   <a:extraClrSchemeLst/>
   <a:extLst>
     <a:ext uri="{05A4C25C-085E-4340-85A3-A5531E510DB2}">
-      <thm15:themeFamily xmlns:thm15="http://schemas.microsoft.com/office/thememl/2012/main" name="Metropolitan" id="{4C5440D6-04D2-4954-96CF-F251137069B2}" vid="{79CFCA13-9412-4290-BB4B-85112F88857B}"/>
+      <thm15:themeFamily xmlns:thm15="http://schemas.microsoft.com/office/thememl/2012/main" xmlns="" name="Metropolitan" id="{4C5440D6-04D2-4954-96CF-F251137069B2}" vid="{79CFCA13-9412-4290-BB4B-85112F88857B}"/>
     </a:ext>
   </a:extLst>
 </a:theme>
